--- a/media/generated_ppts/DR IAM_OUJDA AVANZIT (partiel).pptx
+++ b/media/generated_ppts/DR IAM_OUJDA AVANZIT (partiel).pptx
@@ -3091,6 +3091,49 @@
       <p:grpSpPr/>
       <p:sp>
         <p:nvSpPr>
+          <p:cNvPr id="4" name="Rectangle 3"/>
+          <p:cNvSpPr/>
+          <p:nvPr/>
+        </p:nvSpPr>
+        <p:spPr>
+          <a:xfrm>
+            <a:off x="792000" y="792000"/>
+            <a:ext cx="7632000" cy="5328000"/>
+          </a:xfrm>
+          <a:prstGeom prst="rect">
+            <a:avLst/>
+          </a:prstGeom>
+          <a:noFill/>
+          <a:ln w="38100">
+            <a:solidFill>
+              <a:srgbClr val="000000"/>
+            </a:solidFill>
+          </a:ln>
+        </p:spPr>
+        <p:style>
+          <a:lnRef idx="1">
+            <a:schemeClr val="accent1"/>
+          </a:lnRef>
+          <a:fillRef idx="3">
+            <a:schemeClr val="accent1"/>
+          </a:fillRef>
+          <a:effectRef idx="2">
+            <a:schemeClr val="accent1"/>
+          </a:effectRef>
+          <a:fontRef idx="minor">
+            <a:schemeClr val="lt1"/>
+          </a:fontRef>
+        </p:style>
+        <p:txBody>
+          <a:bodyPr rtlCol="0" anchor="ctr"/>
+          <a:lstStyle/>
+          <a:p>
+            <a:pPr algn="ctr"/>
+          </a:p>
+        </p:txBody>
+      </p:sp>
+      <p:sp>
+        <p:nvSpPr>
           <p:cNvPr id="2" name="Title 1"/>
           <p:cNvSpPr>
             <a:spLocks noGrp="1"/>
@@ -3105,7 +3148,10 @@
           <a:lstStyle/>
           <a:p>
             <a:pPr>
-              <a:defRPr sz="3200">
+              <a:defRPr sz="3200" b="1">
+                <a:solidFill>
+                  <a:srgbClr val="000000"/>
+                </a:solidFill>
                 <a:latin typeface="Arial Narrow"/>
               </a:defRPr>
             </a:pPr>
@@ -3132,6 +3178,9 @@
           <a:p>
             <a:pPr>
               <a:defRPr sz="1800">
+                <a:solidFill>
+                  <a:srgbClr val="404040"/>
+                </a:solidFill>
                 <a:latin typeface="Arial Narrow"/>
               </a:defRPr>
             </a:pPr>
@@ -3161,7 +3210,7 @@
       <p:grpSpPr/>
       <p:pic>
         <p:nvPicPr>
-          <p:cNvPr id="2" name="Picture 1" descr="AA.jpeg"/>
+          <p:cNvPr id="2" name="Picture 1" descr="AAA.jpeg"/>
           <p:cNvPicPr>
             <a:picLocks noChangeAspect="1"/>
           </p:cNvPicPr>
@@ -3176,7 +3225,7 @@
         <p:spPr>
           <a:xfrm>
             <a:off x="360000" y="180000"/>
-            <a:ext cx="9360000" cy="2520000"/>
+            <a:ext cx="8820000" cy="2520000"/>
           </a:xfrm>
           <a:prstGeom prst="rect">
             <a:avLst/>

--- a/media/generated_ppts/DR IAM_OUJDA AVANZIT (partiel).pptx
+++ b/media/generated_ppts/DR IAM_OUJDA AVANZIT (partiel).pptx
@@ -3242,7 +3242,7 @@
         </p:nvGraphicFramePr>
         <p:xfrm>
           <a:off x="360000" y="2700000"/>
-          <a:ext cx="8747999" cy="378000"/>
+          <a:ext cx="8351997" cy="378000"/>
         </p:xfrm>
         <a:graphic>
           <a:graphicData uri="http://schemas.openxmlformats.org/drawingml/2006/table">
@@ -3251,13 +3251,15 @@
                 <a:tableStyleId>{5C22544A-7EE6-4342-B048-85BDC9FD1C3A}</a:tableStyleId>
               </a:tblPr>
               <a:tblGrid>
-                <a:gridCol w="648000"/>
+                <a:gridCol w="612000"/>
                 <a:gridCol w="864000"/>
-                <a:gridCol w="1332000"/>
-                <a:gridCol w="936000"/>
+                <a:gridCol w="1116000"/>
+                <a:gridCol w="1116000"/>
+                <a:gridCol w="900000"/>
+                <a:gridCol w="900000"/>
+                <a:gridCol w="827999"/>
                 <a:gridCol w="1007999"/>
-                <a:gridCol w="2232000"/>
-                <a:gridCol w="1728000"/>
+                <a:gridCol w="1007999"/>
               </a:tblGrid>
               <a:tr h="36000">
                 <a:tc>
@@ -3280,7 +3282,7 @@
                   </a:txBody>
                   <a:tcPr>
                     <a:solidFill>
-                      <a:srgbClr val="4472C4"/>
+                      <a:srgbClr val="FF6800"/>
                     </a:solidFill>
                   </a:tcPr>
                 </a:tc>
@@ -3304,7 +3306,7 @@
                   </a:txBody>
                   <a:tcPr>
                     <a:solidFill>
-                      <a:srgbClr val="4472C4"/>
+                      <a:srgbClr val="FF6800"/>
                     </a:solidFill>
                   </a:tcPr>
                 </a:tc>
@@ -3328,7 +3330,7 @@
                   </a:txBody>
                   <a:tcPr>
                     <a:solidFill>
-                      <a:srgbClr val="4472C4"/>
+                      <a:srgbClr val="FF6800"/>
                     </a:solidFill>
                   </a:tcPr>
                 </a:tc>
@@ -3346,13 +3348,13 @@
                         </a:defRPr>
                       </a:pPr>
                       <a:r>
-                        <a:t>DR IAM</a:t>
-                      </a:r>
-                    </a:p>
-                  </a:txBody>
-                  <a:tcPr>
-                    <a:solidFill>
-                      <a:srgbClr val="4472C4"/>
+                        <a:t>Contact IAM</a:t>
+                      </a:r>
+                    </a:p>
+                  </a:txBody>
+                  <a:tcPr>
+                    <a:solidFill>
+                      <a:srgbClr val="FF6800"/>
                     </a:solidFill>
                   </a:tcPr>
                 </a:tc>
@@ -3370,13 +3372,13 @@
                         </a:defRPr>
                       </a:pPr>
                       <a:r>
-                        <a:t>ville</a:t>
-                      </a:r>
-                    </a:p>
-                  </a:txBody>
-                  <a:tcPr>
-                    <a:solidFill>
-                      <a:srgbClr val="4472C4"/>
+                        <a:t>DR IAM</a:t>
+                      </a:r>
+                    </a:p>
+                  </a:txBody>
+                  <a:tcPr>
+                    <a:solidFill>
+                      <a:srgbClr val="FF6800"/>
                     </a:solidFill>
                   </a:tcPr>
                 </a:tc>
@@ -3394,13 +3396,13 @@
                         </a:defRPr>
                       </a:pPr>
                       <a:r>
-                        <a:t>X Départ ERPT - Y Départ ERPT</a:t>
-                      </a:r>
-                    </a:p>
-                  </a:txBody>
-                  <a:tcPr>
-                    <a:solidFill>
-                      <a:srgbClr val="4472C4"/>
+                        <a:t>ville</a:t>
+                      </a:r>
+                    </a:p>
+                  </a:txBody>
+                  <a:tcPr>
+                    <a:solidFill>
+                      <a:srgbClr val="FF6800"/>
                     </a:solidFill>
                   </a:tcPr>
                 </a:tc>
@@ -3418,13 +3420,61 @@
                         </a:defRPr>
                       </a:pPr>
                       <a:r>
-                        <a:t>X Arrivée ERPT Proposition1 - Y Arrivée</a:t>
-                      </a:r>
-                    </a:p>
-                  </a:txBody>
-                  <a:tcPr>
-                    <a:solidFill>
-                      <a:srgbClr val="4472C4"/>
+                        <a:t>Date TSS</a:t>
+                      </a:r>
+                    </a:p>
+                  </a:txBody>
+                  <a:tcPr>
+                    <a:solidFill>
+                      <a:srgbClr val="FF6800"/>
+                    </a:solidFill>
+                  </a:tcPr>
+                </a:tc>
+                <a:tc>
+                  <a:txBody>
+                    <a:bodyPr tIns="18288" bIns="18288" lIns="45720" rIns="45720"/>
+                    <a:lstStyle/>
+                    <a:p>
+                      <a:pPr>
+                        <a:defRPr sz="700" b="1">
+                          <a:solidFill>
+                            <a:srgbClr val="FFFFFF"/>
+                          </a:solidFill>
+                          <a:latin typeface="Arial Narrow"/>
+                        </a:defRPr>
+                      </a:pPr>
+                      <a:r>
+                        <a:t>X Départ ERPT - Y Départ ERPT</a:t>
+                      </a:r>
+                    </a:p>
+                  </a:txBody>
+                  <a:tcPr>
+                    <a:solidFill>
+                      <a:srgbClr val="FF6800"/>
+                    </a:solidFill>
+                  </a:tcPr>
+                </a:tc>
+                <a:tc>
+                  <a:txBody>
+                    <a:bodyPr tIns="18288" bIns="18288" lIns="45720" rIns="45720"/>
+                    <a:lstStyle/>
+                    <a:p>
+                      <a:pPr>
+                        <a:defRPr sz="700" b="1">
+                          <a:solidFill>
+                            <a:srgbClr val="FFFFFF"/>
+                          </a:solidFill>
+                          <a:latin typeface="Arial Narrow"/>
+                        </a:defRPr>
+                      </a:pPr>
+                      <a:r>
+                        <a:t>X Arrivée ERPT - Y Arrivée ERPT</a:t>
+                      </a:r>
+                    </a:p>
+                  </a:txBody>
+                  <a:tcPr>
+                    <a:solidFill>
+                      <a:srgbClr val="FF6800"/>
                     </a:solidFill>
                   </a:tcPr>
                 </a:tc>
@@ -3445,7 +3495,11 @@
                       </a:r>
                     </a:p>
                   </a:txBody>
-                  <a:tcPr/>
+                  <a:tcPr>
+                    <a:solidFill>
+                      <a:srgbClr val="FFFFFF"/>
+                    </a:solidFill>
+                  </a:tcPr>
                 </a:tc>
                 <a:tc>
                   <a:txBody>
@@ -3462,7 +3516,11 @@
                       </a:r>
                     </a:p>
                   </a:txBody>
-                  <a:tcPr/>
+                  <a:tcPr>
+                    <a:solidFill>
+                      <a:srgbClr val="FFFFFF"/>
+                    </a:solidFill>
+                  </a:tcPr>
                 </a:tc>
                 <a:tc>
                   <a:txBody>
@@ -3479,7 +3537,29 @@
                       </a:r>
                     </a:p>
                   </a:txBody>
-                  <a:tcPr/>
+                  <a:tcPr>
+                    <a:solidFill>
+                      <a:srgbClr val="FFFFFF"/>
+                    </a:solidFill>
+                  </a:tcPr>
+                </a:tc>
+                <a:tc>
+                  <a:txBody>
+                    <a:bodyPr tIns="18288" bIns="18288" lIns="45720" rIns="45720"/>
+                    <a:lstStyle/>
+                    <a:p>
+                      <a:pPr>
+                        <a:defRPr sz="700">
+                          <a:latin typeface="Arial Narrow"/>
+                        </a:defRPr>
+                      </a:pPr>
+                    </a:p>
+                  </a:txBody>
+                  <a:tcPr>
+                    <a:solidFill>
+                      <a:srgbClr val="FFFFFF"/>
+                    </a:solidFill>
+                  </a:tcPr>
                 </a:tc>
                 <a:tc>
                   <a:txBody>
@@ -3496,7 +3576,11 @@
                       </a:r>
                     </a:p>
                   </a:txBody>
-                  <a:tcPr/>
+                  <a:tcPr>
+                    <a:solidFill>
+                      <a:srgbClr val="FFFFFF"/>
+                    </a:solidFill>
+                  </a:tcPr>
                 </a:tc>
                 <a:tc>
                   <a:txBody>
@@ -3513,41 +3597,71 @@
                       </a:r>
                     </a:p>
                   </a:txBody>
-                  <a:tcPr/>
-                </a:tc>
-                <a:tc>
-                  <a:txBody>
-                    <a:bodyPr tIns="18288" bIns="18288" lIns="45720" rIns="45720"/>
-                    <a:lstStyle/>
-                    <a:p>
-                      <a:pPr>
-                        <a:defRPr sz="700">
-                          <a:latin typeface="Arial Narrow"/>
-                        </a:defRPr>
-                      </a:pPr>
-                      <a:r>
-                        <a:t>34.67710000, -1.91230000</a:t>
-                      </a:r>
-                    </a:p>
-                  </a:txBody>
-                  <a:tcPr/>
-                </a:tc>
-                <a:tc>
-                  <a:txBody>
-                    <a:bodyPr tIns="18288" bIns="18288" lIns="45720" rIns="45720"/>
-                    <a:lstStyle/>
-                    <a:p>
-                      <a:pPr>
-                        <a:defRPr sz="700">
-                          <a:latin typeface="Arial Narrow"/>
-                        </a:defRPr>
-                      </a:pPr>
-                      <a:r>
-                        <a:t>34.67910675, -1.91019842</a:t>
-                      </a:r>
-                    </a:p>
-                  </a:txBody>
-                  <a:tcPr/>
+                  <a:tcPr>
+                    <a:solidFill>
+                      <a:srgbClr val="FFFFFF"/>
+                    </a:solidFill>
+                  </a:tcPr>
+                </a:tc>
+                <a:tc>
+                  <a:txBody>
+                    <a:bodyPr tIns="18288" bIns="18288" lIns="45720" rIns="45720"/>
+                    <a:lstStyle/>
+                    <a:p>
+                      <a:pPr>
+                        <a:defRPr sz="700">
+                          <a:latin typeface="Arial Narrow"/>
+                        </a:defRPr>
+                      </a:pPr>
+                    </a:p>
+                  </a:txBody>
+                  <a:tcPr>
+                    <a:solidFill>
+                      <a:srgbClr val="FFFFFF"/>
+                    </a:solidFill>
+                  </a:tcPr>
+                </a:tc>
+                <a:tc>
+                  <a:txBody>
+                    <a:bodyPr tIns="18288" bIns="18288" lIns="45720" rIns="45720"/>
+                    <a:lstStyle/>
+                    <a:p>
+                      <a:pPr>
+                        <a:defRPr sz="700">
+                          <a:latin typeface="Arial Narrow"/>
+                        </a:defRPr>
+                      </a:pPr>
+                      <a:r>
+                        <a:t>34.67710, -1.91230</a:t>
+                      </a:r>
+                    </a:p>
+                  </a:txBody>
+                  <a:tcPr>
+                    <a:solidFill>
+                      <a:srgbClr val="FFFFFF"/>
+                    </a:solidFill>
+                  </a:tcPr>
+                </a:tc>
+                <a:tc>
+                  <a:txBody>
+                    <a:bodyPr tIns="18288" bIns="18288" lIns="45720" rIns="45720"/>
+                    <a:lstStyle/>
+                    <a:p>
+                      <a:pPr>
+                        <a:defRPr sz="700">
+                          <a:latin typeface="Arial Narrow"/>
+                        </a:defRPr>
+                      </a:pPr>
+                      <a:r>
+                        <a:t>34.67911, -1.91020</a:t>
+                      </a:r>
+                    </a:p>
+                  </a:txBody>
+                  <a:tcPr>
+                    <a:solidFill>
+                      <a:srgbClr val="FFFFFF"/>
+                    </a:solidFill>
+                  </a:tcPr>
                 </a:tc>
               </a:tr>
               <a:tr h="18000">
@@ -3568,7 +3682,7 @@
                   </a:txBody>
                   <a:tcPr>
                     <a:solidFill>
-                      <a:srgbClr val="F2F2F2"/>
+                      <a:srgbClr val="FFD4B9"/>
                     </a:solidFill>
                   </a:tcPr>
                 </a:tc>
@@ -3589,7 +3703,7 @@
                   </a:txBody>
                   <a:tcPr>
                     <a:solidFill>
-                      <a:srgbClr val="F2F2F2"/>
+                      <a:srgbClr val="FFD4B9"/>
                     </a:solidFill>
                   </a:tcPr>
                 </a:tc>
@@ -3610,7 +3724,25 @@
                   </a:txBody>
                   <a:tcPr>
                     <a:solidFill>
-                      <a:srgbClr val="F2F2F2"/>
+                      <a:srgbClr val="FFD4B9"/>
+                    </a:solidFill>
+                  </a:tcPr>
+                </a:tc>
+                <a:tc>
+                  <a:txBody>
+                    <a:bodyPr tIns="18288" bIns="18288" lIns="45720" rIns="45720"/>
+                    <a:lstStyle/>
+                    <a:p>
+                      <a:pPr>
+                        <a:defRPr sz="700">
+                          <a:latin typeface="Arial Narrow"/>
+                        </a:defRPr>
+                      </a:pPr>
+                    </a:p>
+                  </a:txBody>
+                  <a:tcPr>
+                    <a:solidFill>
+                      <a:srgbClr val="FFD4B9"/>
                     </a:solidFill>
                   </a:tcPr>
                 </a:tc>
@@ -3631,7 +3763,7 @@
                   </a:txBody>
                   <a:tcPr>
                     <a:solidFill>
-                      <a:srgbClr val="F2F2F2"/>
+                      <a:srgbClr val="FFD4B9"/>
                     </a:solidFill>
                   </a:tcPr>
                 </a:tc>
@@ -3652,49 +3784,67 @@
                   </a:txBody>
                   <a:tcPr>
                     <a:solidFill>
-                      <a:srgbClr val="F2F2F2"/>
-                    </a:solidFill>
-                  </a:tcPr>
-                </a:tc>
-                <a:tc>
-                  <a:txBody>
-                    <a:bodyPr tIns="18288" bIns="18288" lIns="45720" rIns="45720"/>
-                    <a:lstStyle/>
-                    <a:p>
-                      <a:pPr>
-                        <a:defRPr sz="700">
-                          <a:latin typeface="Arial Narrow"/>
-                        </a:defRPr>
-                      </a:pPr>
-                      <a:r>
-                        <a:t>34.66327116, -1.87361253</a:t>
-                      </a:r>
-                    </a:p>
-                  </a:txBody>
-                  <a:tcPr>
-                    <a:solidFill>
-                      <a:srgbClr val="F2F2F2"/>
-                    </a:solidFill>
-                  </a:tcPr>
-                </a:tc>
-                <a:tc>
-                  <a:txBody>
-                    <a:bodyPr tIns="18288" bIns="18288" lIns="45720" rIns="45720"/>
-                    <a:lstStyle/>
-                    <a:p>
-                      <a:pPr>
-                        <a:defRPr sz="700">
-                          <a:latin typeface="Arial Narrow"/>
-                        </a:defRPr>
-                      </a:pPr>
-                      <a:r>
-                        <a:t>34.66528347, -1.89022104</a:t>
-                      </a:r>
-                    </a:p>
-                  </a:txBody>
-                  <a:tcPr>
-                    <a:solidFill>
-                      <a:srgbClr val="F2F2F2"/>
+                      <a:srgbClr val="FFD4B9"/>
+                    </a:solidFill>
+                  </a:tcPr>
+                </a:tc>
+                <a:tc>
+                  <a:txBody>
+                    <a:bodyPr tIns="18288" bIns="18288" lIns="45720" rIns="45720"/>
+                    <a:lstStyle/>
+                    <a:p>
+                      <a:pPr>
+                        <a:defRPr sz="700">
+                          <a:latin typeface="Arial Narrow"/>
+                        </a:defRPr>
+                      </a:pPr>
+                    </a:p>
+                  </a:txBody>
+                  <a:tcPr>
+                    <a:solidFill>
+                      <a:srgbClr val="FFD4B9"/>
+                    </a:solidFill>
+                  </a:tcPr>
+                </a:tc>
+                <a:tc>
+                  <a:txBody>
+                    <a:bodyPr tIns="18288" bIns="18288" lIns="45720" rIns="45720"/>
+                    <a:lstStyle/>
+                    <a:p>
+                      <a:pPr>
+                        <a:defRPr sz="700">
+                          <a:latin typeface="Arial Narrow"/>
+                        </a:defRPr>
+                      </a:pPr>
+                      <a:r>
+                        <a:t>34.66327, -1.87361</a:t>
+                      </a:r>
+                    </a:p>
+                  </a:txBody>
+                  <a:tcPr>
+                    <a:solidFill>
+                      <a:srgbClr val="FFD4B9"/>
+                    </a:solidFill>
+                  </a:tcPr>
+                </a:tc>
+                <a:tc>
+                  <a:txBody>
+                    <a:bodyPr tIns="18288" bIns="18288" lIns="45720" rIns="45720"/>
+                    <a:lstStyle/>
+                    <a:p>
+                      <a:pPr>
+                        <a:defRPr sz="700">
+                          <a:latin typeface="Arial Narrow"/>
+                        </a:defRPr>
+                      </a:pPr>
+                      <a:r>
+                        <a:t>34.66528, -1.89022</a:t>
+                      </a:r>
+                    </a:p>
+                  </a:txBody>
+                  <a:tcPr>
+                    <a:solidFill>
+                      <a:srgbClr val="FFD4B9"/>
                     </a:solidFill>
                   </a:tcPr>
                 </a:tc>
@@ -3715,7 +3865,11 @@
                       </a:r>
                     </a:p>
                   </a:txBody>
-                  <a:tcPr/>
+                  <a:tcPr>
+                    <a:solidFill>
+                      <a:srgbClr val="FFFFFF"/>
+                    </a:solidFill>
+                  </a:tcPr>
                 </a:tc>
                 <a:tc>
                   <a:txBody>
@@ -3732,7 +3886,11 @@
                       </a:r>
                     </a:p>
                   </a:txBody>
-                  <a:tcPr/>
+                  <a:tcPr>
+                    <a:solidFill>
+                      <a:srgbClr val="FFFFFF"/>
+                    </a:solidFill>
+                  </a:tcPr>
                 </a:tc>
                 <a:tc>
                   <a:txBody>
@@ -3749,7 +3907,29 @@
                       </a:r>
                     </a:p>
                   </a:txBody>
-                  <a:tcPr/>
+                  <a:tcPr>
+                    <a:solidFill>
+                      <a:srgbClr val="FFFFFF"/>
+                    </a:solidFill>
+                  </a:tcPr>
+                </a:tc>
+                <a:tc>
+                  <a:txBody>
+                    <a:bodyPr tIns="18288" bIns="18288" lIns="45720" rIns="45720"/>
+                    <a:lstStyle/>
+                    <a:p>
+                      <a:pPr>
+                        <a:defRPr sz="700">
+                          <a:latin typeface="Arial Narrow"/>
+                        </a:defRPr>
+                      </a:pPr>
+                    </a:p>
+                  </a:txBody>
+                  <a:tcPr>
+                    <a:solidFill>
+                      <a:srgbClr val="FFFFFF"/>
+                    </a:solidFill>
+                  </a:tcPr>
                 </a:tc>
                 <a:tc>
                   <a:txBody>
@@ -3766,7 +3946,11 @@
                       </a:r>
                     </a:p>
                   </a:txBody>
-                  <a:tcPr/>
+                  <a:tcPr>
+                    <a:solidFill>
+                      <a:srgbClr val="FFFFFF"/>
+                    </a:solidFill>
+                  </a:tcPr>
                 </a:tc>
                 <a:tc>
                   <a:txBody>
@@ -3783,41 +3967,71 @@
                       </a:r>
                     </a:p>
                   </a:txBody>
-                  <a:tcPr/>
-                </a:tc>
-                <a:tc>
-                  <a:txBody>
-                    <a:bodyPr tIns="18288" bIns="18288" lIns="45720" rIns="45720"/>
-                    <a:lstStyle/>
-                    <a:p>
-                      <a:pPr>
-                        <a:defRPr sz="700">
-                          <a:latin typeface="Arial Narrow"/>
-                        </a:defRPr>
-                      </a:pPr>
-                      <a:r>
-                        <a:t>34.68963788, -1.87368082</a:t>
-                      </a:r>
-                    </a:p>
-                  </a:txBody>
-                  <a:tcPr/>
-                </a:tc>
-                <a:tc>
-                  <a:txBody>
-                    <a:bodyPr tIns="18288" bIns="18288" lIns="45720" rIns="45720"/>
-                    <a:lstStyle/>
-                    <a:p>
-                      <a:pPr>
-                        <a:defRPr sz="700">
-                          <a:latin typeface="Arial Narrow"/>
-                        </a:defRPr>
-                      </a:pPr>
-                      <a:r>
-                        <a:t>34.68402646, -1.87922062</a:t>
-                      </a:r>
-                    </a:p>
-                  </a:txBody>
-                  <a:tcPr/>
+                  <a:tcPr>
+                    <a:solidFill>
+                      <a:srgbClr val="FFFFFF"/>
+                    </a:solidFill>
+                  </a:tcPr>
+                </a:tc>
+                <a:tc>
+                  <a:txBody>
+                    <a:bodyPr tIns="18288" bIns="18288" lIns="45720" rIns="45720"/>
+                    <a:lstStyle/>
+                    <a:p>
+                      <a:pPr>
+                        <a:defRPr sz="700">
+                          <a:latin typeface="Arial Narrow"/>
+                        </a:defRPr>
+                      </a:pPr>
+                    </a:p>
+                  </a:txBody>
+                  <a:tcPr>
+                    <a:solidFill>
+                      <a:srgbClr val="FFFFFF"/>
+                    </a:solidFill>
+                  </a:tcPr>
+                </a:tc>
+                <a:tc>
+                  <a:txBody>
+                    <a:bodyPr tIns="18288" bIns="18288" lIns="45720" rIns="45720"/>
+                    <a:lstStyle/>
+                    <a:p>
+                      <a:pPr>
+                        <a:defRPr sz="700">
+                          <a:latin typeface="Arial Narrow"/>
+                        </a:defRPr>
+                      </a:pPr>
+                      <a:r>
+                        <a:t>34.68964, -1.87368</a:t>
+                      </a:r>
+                    </a:p>
+                  </a:txBody>
+                  <a:tcPr>
+                    <a:solidFill>
+                      <a:srgbClr val="FFFFFF"/>
+                    </a:solidFill>
+                  </a:tcPr>
+                </a:tc>
+                <a:tc>
+                  <a:txBody>
+                    <a:bodyPr tIns="18288" bIns="18288" lIns="45720" rIns="45720"/>
+                    <a:lstStyle/>
+                    <a:p>
+                      <a:pPr>
+                        <a:defRPr sz="700">
+                          <a:latin typeface="Arial Narrow"/>
+                        </a:defRPr>
+                      </a:pPr>
+                      <a:r>
+                        <a:t>34.68403, -1.87922</a:t>
+                      </a:r>
+                    </a:p>
+                  </a:txBody>
+                  <a:tcPr>
+                    <a:solidFill>
+                      <a:srgbClr val="FFFFFF"/>
+                    </a:solidFill>
+                  </a:tcPr>
                 </a:tc>
               </a:tr>
               <a:tr h="18000">
@@ -3838,7 +4052,7 @@
                   </a:txBody>
                   <a:tcPr>
                     <a:solidFill>
-                      <a:srgbClr val="F2F2F2"/>
+                      <a:srgbClr val="FFD4B9"/>
                     </a:solidFill>
                   </a:tcPr>
                 </a:tc>
@@ -3859,7 +4073,7 @@
                   </a:txBody>
                   <a:tcPr>
                     <a:solidFill>
-                      <a:srgbClr val="F2F2F2"/>
+                      <a:srgbClr val="FFD4B9"/>
                     </a:solidFill>
                   </a:tcPr>
                 </a:tc>
@@ -3880,7 +4094,25 @@
                   </a:txBody>
                   <a:tcPr>
                     <a:solidFill>
-                      <a:srgbClr val="F2F2F2"/>
+                      <a:srgbClr val="FFD4B9"/>
+                    </a:solidFill>
+                  </a:tcPr>
+                </a:tc>
+                <a:tc>
+                  <a:txBody>
+                    <a:bodyPr tIns="18288" bIns="18288" lIns="45720" rIns="45720"/>
+                    <a:lstStyle/>
+                    <a:p>
+                      <a:pPr>
+                        <a:defRPr sz="700">
+                          <a:latin typeface="Arial Narrow"/>
+                        </a:defRPr>
+                      </a:pPr>
+                    </a:p>
+                  </a:txBody>
+                  <a:tcPr>
+                    <a:solidFill>
+                      <a:srgbClr val="FFD4B9"/>
                     </a:solidFill>
                   </a:tcPr>
                 </a:tc>
@@ -3901,7 +4133,7 @@
                   </a:txBody>
                   <a:tcPr>
                     <a:solidFill>
-                      <a:srgbClr val="F2F2F2"/>
+                      <a:srgbClr val="FFD4B9"/>
                     </a:solidFill>
                   </a:tcPr>
                 </a:tc>
@@ -3922,49 +4154,67 @@
                   </a:txBody>
                   <a:tcPr>
                     <a:solidFill>
-                      <a:srgbClr val="F2F2F2"/>
-                    </a:solidFill>
-                  </a:tcPr>
-                </a:tc>
-                <a:tc>
-                  <a:txBody>
-                    <a:bodyPr tIns="18288" bIns="18288" lIns="45720" rIns="45720"/>
-                    <a:lstStyle/>
-                    <a:p>
-                      <a:pPr>
-                        <a:defRPr sz="700">
-                          <a:latin typeface="Arial Narrow"/>
-                        </a:defRPr>
-                      </a:pPr>
-                      <a:r>
-                        <a:t>34.67948832, -1.86984908</a:t>
-                      </a:r>
-                    </a:p>
-                  </a:txBody>
-                  <a:tcPr>
-                    <a:solidFill>
-                      <a:srgbClr val="F2F2F2"/>
-                    </a:solidFill>
-                  </a:tcPr>
-                </a:tc>
-                <a:tc>
-                  <a:txBody>
-                    <a:bodyPr tIns="18288" bIns="18288" lIns="45720" rIns="45720"/>
-                    <a:lstStyle/>
-                    <a:p>
-                      <a:pPr>
-                        <a:defRPr sz="700">
-                          <a:latin typeface="Arial Narrow"/>
-                        </a:defRPr>
-                      </a:pPr>
-                      <a:r>
-                        <a:t>34.68569409, -1.87450153</a:t>
-                      </a:r>
-                    </a:p>
-                  </a:txBody>
-                  <a:tcPr>
-                    <a:solidFill>
-                      <a:srgbClr val="F2F2F2"/>
+                      <a:srgbClr val="FFD4B9"/>
+                    </a:solidFill>
+                  </a:tcPr>
+                </a:tc>
+                <a:tc>
+                  <a:txBody>
+                    <a:bodyPr tIns="18288" bIns="18288" lIns="45720" rIns="45720"/>
+                    <a:lstStyle/>
+                    <a:p>
+                      <a:pPr>
+                        <a:defRPr sz="700">
+                          <a:latin typeface="Arial Narrow"/>
+                        </a:defRPr>
+                      </a:pPr>
+                    </a:p>
+                  </a:txBody>
+                  <a:tcPr>
+                    <a:solidFill>
+                      <a:srgbClr val="FFD4B9"/>
+                    </a:solidFill>
+                  </a:tcPr>
+                </a:tc>
+                <a:tc>
+                  <a:txBody>
+                    <a:bodyPr tIns="18288" bIns="18288" lIns="45720" rIns="45720"/>
+                    <a:lstStyle/>
+                    <a:p>
+                      <a:pPr>
+                        <a:defRPr sz="700">
+                          <a:latin typeface="Arial Narrow"/>
+                        </a:defRPr>
+                      </a:pPr>
+                      <a:r>
+                        <a:t>34.67949, -1.86985</a:t>
+                      </a:r>
+                    </a:p>
+                  </a:txBody>
+                  <a:tcPr>
+                    <a:solidFill>
+                      <a:srgbClr val="FFD4B9"/>
+                    </a:solidFill>
+                  </a:tcPr>
+                </a:tc>
+                <a:tc>
+                  <a:txBody>
+                    <a:bodyPr tIns="18288" bIns="18288" lIns="45720" rIns="45720"/>
+                    <a:lstStyle/>
+                    <a:p>
+                      <a:pPr>
+                        <a:defRPr sz="700">
+                          <a:latin typeface="Arial Narrow"/>
+                        </a:defRPr>
+                      </a:pPr>
+                      <a:r>
+                        <a:t>34.68569, -1.87450</a:t>
+                      </a:r>
+                    </a:p>
+                  </a:txBody>
+                  <a:tcPr>
+                    <a:solidFill>
+                      <a:srgbClr val="FFD4B9"/>
                     </a:solidFill>
                   </a:tcPr>
                 </a:tc>
@@ -3985,7 +4235,11 @@
                       </a:r>
                     </a:p>
                   </a:txBody>
-                  <a:tcPr/>
+                  <a:tcPr>
+                    <a:solidFill>
+                      <a:srgbClr val="FFFFFF"/>
+                    </a:solidFill>
+                  </a:tcPr>
                 </a:tc>
                 <a:tc>
                   <a:txBody>
@@ -4002,7 +4256,11 @@
                       </a:r>
                     </a:p>
                   </a:txBody>
-                  <a:tcPr/>
+                  <a:tcPr>
+                    <a:solidFill>
+                      <a:srgbClr val="FFFFFF"/>
+                    </a:solidFill>
+                  </a:tcPr>
                 </a:tc>
                 <a:tc>
                   <a:txBody>
@@ -4019,7 +4277,29 @@
                       </a:r>
                     </a:p>
                   </a:txBody>
-                  <a:tcPr/>
+                  <a:tcPr>
+                    <a:solidFill>
+                      <a:srgbClr val="FFFFFF"/>
+                    </a:solidFill>
+                  </a:tcPr>
+                </a:tc>
+                <a:tc>
+                  <a:txBody>
+                    <a:bodyPr tIns="18288" bIns="18288" lIns="45720" rIns="45720"/>
+                    <a:lstStyle/>
+                    <a:p>
+                      <a:pPr>
+                        <a:defRPr sz="700">
+                          <a:latin typeface="Arial Narrow"/>
+                        </a:defRPr>
+                      </a:pPr>
+                    </a:p>
+                  </a:txBody>
+                  <a:tcPr>
+                    <a:solidFill>
+                      <a:srgbClr val="FFFFFF"/>
+                    </a:solidFill>
+                  </a:tcPr>
                 </a:tc>
                 <a:tc>
                   <a:txBody>
@@ -4036,7 +4316,11 @@
                       </a:r>
                     </a:p>
                   </a:txBody>
-                  <a:tcPr/>
+                  <a:tcPr>
+                    <a:solidFill>
+                      <a:srgbClr val="FFFFFF"/>
+                    </a:solidFill>
+                  </a:tcPr>
                 </a:tc>
                 <a:tc>
                   <a:txBody>
@@ -4053,41 +4337,71 @@
                       </a:r>
                     </a:p>
                   </a:txBody>
-                  <a:tcPr/>
-                </a:tc>
-                <a:tc>
-                  <a:txBody>
-                    <a:bodyPr tIns="18288" bIns="18288" lIns="45720" rIns="45720"/>
-                    <a:lstStyle/>
-                    <a:p>
-                      <a:pPr>
-                        <a:defRPr sz="700">
-                          <a:latin typeface="Arial Narrow"/>
-                        </a:defRPr>
-                      </a:pPr>
-                      <a:r>
-                        <a:t>34.69990000, -1.92312000</a:t>
-                      </a:r>
-                    </a:p>
-                  </a:txBody>
-                  <a:tcPr/>
-                </a:tc>
-                <a:tc>
-                  <a:txBody>
-                    <a:bodyPr tIns="18288" bIns="18288" lIns="45720" rIns="45720"/>
-                    <a:lstStyle/>
-                    <a:p>
-                      <a:pPr>
-                        <a:defRPr sz="700">
-                          <a:latin typeface="Arial Narrow"/>
-                        </a:defRPr>
-                      </a:pPr>
-                      <a:r>
-                        <a:t>34.69981300, -1.91929528</a:t>
-                      </a:r>
-                    </a:p>
-                  </a:txBody>
-                  <a:tcPr/>
+                  <a:tcPr>
+                    <a:solidFill>
+                      <a:srgbClr val="FFFFFF"/>
+                    </a:solidFill>
+                  </a:tcPr>
+                </a:tc>
+                <a:tc>
+                  <a:txBody>
+                    <a:bodyPr tIns="18288" bIns="18288" lIns="45720" rIns="45720"/>
+                    <a:lstStyle/>
+                    <a:p>
+                      <a:pPr>
+                        <a:defRPr sz="700">
+                          <a:latin typeface="Arial Narrow"/>
+                        </a:defRPr>
+                      </a:pPr>
+                    </a:p>
+                  </a:txBody>
+                  <a:tcPr>
+                    <a:solidFill>
+                      <a:srgbClr val="FFFFFF"/>
+                    </a:solidFill>
+                  </a:tcPr>
+                </a:tc>
+                <a:tc>
+                  <a:txBody>
+                    <a:bodyPr tIns="18288" bIns="18288" lIns="45720" rIns="45720"/>
+                    <a:lstStyle/>
+                    <a:p>
+                      <a:pPr>
+                        <a:defRPr sz="700">
+                          <a:latin typeface="Arial Narrow"/>
+                        </a:defRPr>
+                      </a:pPr>
+                      <a:r>
+                        <a:t>34.69990, -1.92312</a:t>
+                      </a:r>
+                    </a:p>
+                  </a:txBody>
+                  <a:tcPr>
+                    <a:solidFill>
+                      <a:srgbClr val="FFFFFF"/>
+                    </a:solidFill>
+                  </a:tcPr>
+                </a:tc>
+                <a:tc>
+                  <a:txBody>
+                    <a:bodyPr tIns="18288" bIns="18288" lIns="45720" rIns="45720"/>
+                    <a:lstStyle/>
+                    <a:p>
+                      <a:pPr>
+                        <a:defRPr sz="700">
+                          <a:latin typeface="Arial Narrow"/>
+                        </a:defRPr>
+                      </a:pPr>
+                      <a:r>
+                        <a:t>34.69981, -1.91930</a:t>
+                      </a:r>
+                    </a:p>
+                  </a:txBody>
+                  <a:tcPr>
+                    <a:solidFill>
+                      <a:srgbClr val="FFFFFF"/>
+                    </a:solidFill>
+                  </a:tcPr>
                 </a:tc>
               </a:tr>
               <a:tr h="18000">
@@ -4108,7 +4422,7 @@
                   </a:txBody>
                   <a:tcPr>
                     <a:solidFill>
-                      <a:srgbClr val="F2F2F2"/>
+                      <a:srgbClr val="FFD4B9"/>
                     </a:solidFill>
                   </a:tcPr>
                 </a:tc>
@@ -4129,7 +4443,7 @@
                   </a:txBody>
                   <a:tcPr>
                     <a:solidFill>
-                      <a:srgbClr val="F2F2F2"/>
+                      <a:srgbClr val="FFD4B9"/>
                     </a:solidFill>
                   </a:tcPr>
                 </a:tc>
@@ -4150,7 +4464,25 @@
                   </a:txBody>
                   <a:tcPr>
                     <a:solidFill>
-                      <a:srgbClr val="F2F2F2"/>
+                      <a:srgbClr val="FFD4B9"/>
+                    </a:solidFill>
+                  </a:tcPr>
+                </a:tc>
+                <a:tc>
+                  <a:txBody>
+                    <a:bodyPr tIns="18288" bIns="18288" lIns="45720" rIns="45720"/>
+                    <a:lstStyle/>
+                    <a:p>
+                      <a:pPr>
+                        <a:defRPr sz="700">
+                          <a:latin typeface="Arial Narrow"/>
+                        </a:defRPr>
+                      </a:pPr>
+                    </a:p>
+                  </a:txBody>
+                  <a:tcPr>
+                    <a:solidFill>
+                      <a:srgbClr val="FFD4B9"/>
                     </a:solidFill>
                   </a:tcPr>
                 </a:tc>
@@ -4171,7 +4503,7 @@
                   </a:txBody>
                   <a:tcPr>
                     <a:solidFill>
-                      <a:srgbClr val="F2F2F2"/>
+                      <a:srgbClr val="FFD4B9"/>
                     </a:solidFill>
                   </a:tcPr>
                 </a:tc>
@@ -4192,49 +4524,67 @@
                   </a:txBody>
                   <a:tcPr>
                     <a:solidFill>
-                      <a:srgbClr val="F2F2F2"/>
-                    </a:solidFill>
-                  </a:tcPr>
-                </a:tc>
-                <a:tc>
-                  <a:txBody>
-                    <a:bodyPr tIns="18288" bIns="18288" lIns="45720" rIns="45720"/>
-                    <a:lstStyle/>
-                    <a:p>
-                      <a:pPr>
-                        <a:defRPr sz="700">
-                          <a:latin typeface="Arial Narrow"/>
-                        </a:defRPr>
-                      </a:pPr>
-                      <a:r>
-                        <a:t>34.68092183, -1.95322807</a:t>
-                      </a:r>
-                    </a:p>
-                  </a:txBody>
-                  <a:tcPr>
-                    <a:solidFill>
-                      <a:srgbClr val="F2F2F2"/>
-                    </a:solidFill>
-                  </a:tcPr>
-                </a:tc>
-                <a:tc>
-                  <a:txBody>
-                    <a:bodyPr tIns="18288" bIns="18288" lIns="45720" rIns="45720"/>
-                    <a:lstStyle/>
-                    <a:p>
-                      <a:pPr>
-                        <a:defRPr sz="700">
-                          <a:latin typeface="Arial Narrow"/>
-                        </a:defRPr>
-                      </a:pPr>
-                      <a:r>
-                        <a:t>34.68397440, -1.95119263</a:t>
-                      </a:r>
-                    </a:p>
-                  </a:txBody>
-                  <a:tcPr>
-                    <a:solidFill>
-                      <a:srgbClr val="F2F2F2"/>
+                      <a:srgbClr val="FFD4B9"/>
+                    </a:solidFill>
+                  </a:tcPr>
+                </a:tc>
+                <a:tc>
+                  <a:txBody>
+                    <a:bodyPr tIns="18288" bIns="18288" lIns="45720" rIns="45720"/>
+                    <a:lstStyle/>
+                    <a:p>
+                      <a:pPr>
+                        <a:defRPr sz="700">
+                          <a:latin typeface="Arial Narrow"/>
+                        </a:defRPr>
+                      </a:pPr>
+                    </a:p>
+                  </a:txBody>
+                  <a:tcPr>
+                    <a:solidFill>
+                      <a:srgbClr val="FFD4B9"/>
+                    </a:solidFill>
+                  </a:tcPr>
+                </a:tc>
+                <a:tc>
+                  <a:txBody>
+                    <a:bodyPr tIns="18288" bIns="18288" lIns="45720" rIns="45720"/>
+                    <a:lstStyle/>
+                    <a:p>
+                      <a:pPr>
+                        <a:defRPr sz="700">
+                          <a:latin typeface="Arial Narrow"/>
+                        </a:defRPr>
+                      </a:pPr>
+                      <a:r>
+                        <a:t>34.68092, -1.95323</a:t>
+                      </a:r>
+                    </a:p>
+                  </a:txBody>
+                  <a:tcPr>
+                    <a:solidFill>
+                      <a:srgbClr val="FFD4B9"/>
+                    </a:solidFill>
+                  </a:tcPr>
+                </a:tc>
+                <a:tc>
+                  <a:txBody>
+                    <a:bodyPr tIns="18288" bIns="18288" lIns="45720" rIns="45720"/>
+                    <a:lstStyle/>
+                    <a:p>
+                      <a:pPr>
+                        <a:defRPr sz="700">
+                          <a:latin typeface="Arial Narrow"/>
+                        </a:defRPr>
+                      </a:pPr>
+                      <a:r>
+                        <a:t>34.68397, -1.95119</a:t>
+                      </a:r>
+                    </a:p>
+                  </a:txBody>
+                  <a:tcPr>
+                    <a:solidFill>
+                      <a:srgbClr val="FFD4B9"/>
                     </a:solidFill>
                   </a:tcPr>
                 </a:tc>
@@ -4255,7 +4605,11 @@
                       </a:r>
                     </a:p>
                   </a:txBody>
-                  <a:tcPr/>
+                  <a:tcPr>
+                    <a:solidFill>
+                      <a:srgbClr val="FFFFFF"/>
+                    </a:solidFill>
+                  </a:tcPr>
                 </a:tc>
                 <a:tc>
                   <a:txBody>
@@ -4272,7 +4626,11 @@
                       </a:r>
                     </a:p>
                   </a:txBody>
-                  <a:tcPr/>
+                  <a:tcPr>
+                    <a:solidFill>
+                      <a:srgbClr val="FFFFFF"/>
+                    </a:solidFill>
+                  </a:tcPr>
                 </a:tc>
                 <a:tc>
                   <a:txBody>
@@ -4289,7 +4647,29 @@
                       </a:r>
                     </a:p>
                   </a:txBody>
-                  <a:tcPr/>
+                  <a:tcPr>
+                    <a:solidFill>
+                      <a:srgbClr val="FFFFFF"/>
+                    </a:solidFill>
+                  </a:tcPr>
+                </a:tc>
+                <a:tc>
+                  <a:txBody>
+                    <a:bodyPr tIns="18288" bIns="18288" lIns="45720" rIns="45720"/>
+                    <a:lstStyle/>
+                    <a:p>
+                      <a:pPr>
+                        <a:defRPr sz="700">
+                          <a:latin typeface="Arial Narrow"/>
+                        </a:defRPr>
+                      </a:pPr>
+                    </a:p>
+                  </a:txBody>
+                  <a:tcPr>
+                    <a:solidFill>
+                      <a:srgbClr val="FFFFFF"/>
+                    </a:solidFill>
+                  </a:tcPr>
                 </a:tc>
                 <a:tc>
                   <a:txBody>
@@ -4306,7 +4686,11 @@
                       </a:r>
                     </a:p>
                   </a:txBody>
-                  <a:tcPr/>
+                  <a:tcPr>
+                    <a:solidFill>
+                      <a:srgbClr val="FFFFFF"/>
+                    </a:solidFill>
+                  </a:tcPr>
                 </a:tc>
                 <a:tc>
                   <a:txBody>
@@ -4323,41 +4707,71 @@
                       </a:r>
                     </a:p>
                   </a:txBody>
-                  <a:tcPr/>
-                </a:tc>
-                <a:tc>
-                  <a:txBody>
-                    <a:bodyPr tIns="18288" bIns="18288" lIns="45720" rIns="45720"/>
-                    <a:lstStyle/>
-                    <a:p>
-                      <a:pPr>
-                        <a:defRPr sz="700">
-                          <a:latin typeface="Arial Narrow"/>
-                        </a:defRPr>
-                      </a:pPr>
-                      <a:r>
-                        <a:t>34.67460000, -1.92501000</a:t>
-                      </a:r>
-                    </a:p>
-                  </a:txBody>
-                  <a:tcPr/>
-                </a:tc>
-                <a:tc>
-                  <a:txBody>
-                    <a:bodyPr tIns="18288" bIns="18288" lIns="45720" rIns="45720"/>
-                    <a:lstStyle/>
-                    <a:p>
-                      <a:pPr>
-                        <a:defRPr sz="700">
-                          <a:latin typeface="Arial Narrow"/>
-                        </a:defRPr>
-                      </a:pPr>
-                      <a:r>
-                        <a:t>34.67263035, -1.92034159</a:t>
-                      </a:r>
-                    </a:p>
-                  </a:txBody>
-                  <a:tcPr/>
+                  <a:tcPr>
+                    <a:solidFill>
+                      <a:srgbClr val="FFFFFF"/>
+                    </a:solidFill>
+                  </a:tcPr>
+                </a:tc>
+                <a:tc>
+                  <a:txBody>
+                    <a:bodyPr tIns="18288" bIns="18288" lIns="45720" rIns="45720"/>
+                    <a:lstStyle/>
+                    <a:p>
+                      <a:pPr>
+                        <a:defRPr sz="700">
+                          <a:latin typeface="Arial Narrow"/>
+                        </a:defRPr>
+                      </a:pPr>
+                    </a:p>
+                  </a:txBody>
+                  <a:tcPr>
+                    <a:solidFill>
+                      <a:srgbClr val="FFFFFF"/>
+                    </a:solidFill>
+                  </a:tcPr>
+                </a:tc>
+                <a:tc>
+                  <a:txBody>
+                    <a:bodyPr tIns="18288" bIns="18288" lIns="45720" rIns="45720"/>
+                    <a:lstStyle/>
+                    <a:p>
+                      <a:pPr>
+                        <a:defRPr sz="700">
+                          <a:latin typeface="Arial Narrow"/>
+                        </a:defRPr>
+                      </a:pPr>
+                      <a:r>
+                        <a:t>34.67460, -1.92501</a:t>
+                      </a:r>
+                    </a:p>
+                  </a:txBody>
+                  <a:tcPr>
+                    <a:solidFill>
+                      <a:srgbClr val="FFFFFF"/>
+                    </a:solidFill>
+                  </a:tcPr>
+                </a:tc>
+                <a:tc>
+                  <a:txBody>
+                    <a:bodyPr tIns="18288" bIns="18288" lIns="45720" rIns="45720"/>
+                    <a:lstStyle/>
+                    <a:p>
+                      <a:pPr>
+                        <a:defRPr sz="700">
+                          <a:latin typeface="Arial Narrow"/>
+                        </a:defRPr>
+                      </a:pPr>
+                      <a:r>
+                        <a:t>34.67263, -1.92034</a:t>
+                      </a:r>
+                    </a:p>
+                  </a:txBody>
+                  <a:tcPr>
+                    <a:solidFill>
+                      <a:srgbClr val="FFFFFF"/>
+                    </a:solidFill>
+                  </a:tcPr>
                 </a:tc>
               </a:tr>
               <a:tr h="18000">
@@ -4378,7 +4792,7 @@
                   </a:txBody>
                   <a:tcPr>
                     <a:solidFill>
-                      <a:srgbClr val="F2F2F2"/>
+                      <a:srgbClr val="FFD4B9"/>
                     </a:solidFill>
                   </a:tcPr>
                 </a:tc>
@@ -4399,7 +4813,7 @@
                   </a:txBody>
                   <a:tcPr>
                     <a:solidFill>
-                      <a:srgbClr val="F2F2F2"/>
+                      <a:srgbClr val="FFD4B9"/>
                     </a:solidFill>
                   </a:tcPr>
                 </a:tc>
@@ -4420,7 +4834,25 @@
                   </a:txBody>
                   <a:tcPr>
                     <a:solidFill>
-                      <a:srgbClr val="F2F2F2"/>
+                      <a:srgbClr val="FFD4B9"/>
+                    </a:solidFill>
+                  </a:tcPr>
+                </a:tc>
+                <a:tc>
+                  <a:txBody>
+                    <a:bodyPr tIns="18288" bIns="18288" lIns="45720" rIns="45720"/>
+                    <a:lstStyle/>
+                    <a:p>
+                      <a:pPr>
+                        <a:defRPr sz="700">
+                          <a:latin typeface="Arial Narrow"/>
+                        </a:defRPr>
+                      </a:pPr>
+                    </a:p>
+                  </a:txBody>
+                  <a:tcPr>
+                    <a:solidFill>
+                      <a:srgbClr val="FFD4B9"/>
                     </a:solidFill>
                   </a:tcPr>
                 </a:tc>
@@ -4441,7 +4873,7 @@
                   </a:txBody>
                   <a:tcPr>
                     <a:solidFill>
-                      <a:srgbClr val="F2F2F2"/>
+                      <a:srgbClr val="FFD4B9"/>
                     </a:solidFill>
                   </a:tcPr>
                 </a:tc>
@@ -4462,49 +4894,67 @@
                   </a:txBody>
                   <a:tcPr>
                     <a:solidFill>
-                      <a:srgbClr val="F2F2F2"/>
-                    </a:solidFill>
-                  </a:tcPr>
-                </a:tc>
-                <a:tc>
-                  <a:txBody>
-                    <a:bodyPr tIns="18288" bIns="18288" lIns="45720" rIns="45720"/>
-                    <a:lstStyle/>
-                    <a:p>
-                      <a:pPr>
-                        <a:defRPr sz="700">
-                          <a:latin typeface="Arial Narrow"/>
-                        </a:defRPr>
-                      </a:pPr>
-                      <a:r>
-                        <a:t>34.65678600, -1.93398500</a:t>
-                      </a:r>
-                    </a:p>
-                  </a:txBody>
-                  <a:tcPr>
-                    <a:solidFill>
-                      <a:srgbClr val="F2F2F2"/>
-                    </a:solidFill>
-                  </a:tcPr>
-                </a:tc>
-                <a:tc>
-                  <a:txBody>
-                    <a:bodyPr tIns="18288" bIns="18288" lIns="45720" rIns="45720"/>
-                    <a:lstStyle/>
-                    <a:p>
-                      <a:pPr>
-                        <a:defRPr sz="700">
-                          <a:latin typeface="Arial Narrow"/>
-                        </a:defRPr>
-                      </a:pPr>
-                      <a:r>
-                        <a:t>34.66443373, -1.93416533</a:t>
-                      </a:r>
-                    </a:p>
-                  </a:txBody>
-                  <a:tcPr>
-                    <a:solidFill>
-                      <a:srgbClr val="F2F2F2"/>
+                      <a:srgbClr val="FFD4B9"/>
+                    </a:solidFill>
+                  </a:tcPr>
+                </a:tc>
+                <a:tc>
+                  <a:txBody>
+                    <a:bodyPr tIns="18288" bIns="18288" lIns="45720" rIns="45720"/>
+                    <a:lstStyle/>
+                    <a:p>
+                      <a:pPr>
+                        <a:defRPr sz="700">
+                          <a:latin typeface="Arial Narrow"/>
+                        </a:defRPr>
+                      </a:pPr>
+                    </a:p>
+                  </a:txBody>
+                  <a:tcPr>
+                    <a:solidFill>
+                      <a:srgbClr val="FFD4B9"/>
+                    </a:solidFill>
+                  </a:tcPr>
+                </a:tc>
+                <a:tc>
+                  <a:txBody>
+                    <a:bodyPr tIns="18288" bIns="18288" lIns="45720" rIns="45720"/>
+                    <a:lstStyle/>
+                    <a:p>
+                      <a:pPr>
+                        <a:defRPr sz="700">
+                          <a:latin typeface="Arial Narrow"/>
+                        </a:defRPr>
+                      </a:pPr>
+                      <a:r>
+                        <a:t>34.65679, -1.93399</a:t>
+                      </a:r>
+                    </a:p>
+                  </a:txBody>
+                  <a:tcPr>
+                    <a:solidFill>
+                      <a:srgbClr val="FFD4B9"/>
+                    </a:solidFill>
+                  </a:tcPr>
+                </a:tc>
+                <a:tc>
+                  <a:txBody>
+                    <a:bodyPr tIns="18288" bIns="18288" lIns="45720" rIns="45720"/>
+                    <a:lstStyle/>
+                    <a:p>
+                      <a:pPr>
+                        <a:defRPr sz="700">
+                          <a:latin typeface="Arial Narrow"/>
+                        </a:defRPr>
+                      </a:pPr>
+                      <a:r>
+                        <a:t>34.66443, -1.93417</a:t>
+                      </a:r>
+                    </a:p>
+                  </a:txBody>
+                  <a:tcPr>
+                    <a:solidFill>
+                      <a:srgbClr val="FFD4B9"/>
                     </a:solidFill>
                   </a:tcPr>
                 </a:tc>
@@ -4525,7 +4975,11 @@
                       </a:r>
                     </a:p>
                   </a:txBody>
-                  <a:tcPr/>
+                  <a:tcPr>
+                    <a:solidFill>
+                      <a:srgbClr val="FFFFFF"/>
+                    </a:solidFill>
+                  </a:tcPr>
                 </a:tc>
                 <a:tc>
                   <a:txBody>
@@ -4542,7 +4996,11 @@
                       </a:r>
                     </a:p>
                   </a:txBody>
-                  <a:tcPr/>
+                  <a:tcPr>
+                    <a:solidFill>
+                      <a:srgbClr val="FFFFFF"/>
+                    </a:solidFill>
+                  </a:tcPr>
                 </a:tc>
                 <a:tc>
                   <a:txBody>
@@ -4559,7 +5017,29 @@
                       </a:r>
                     </a:p>
                   </a:txBody>
-                  <a:tcPr/>
+                  <a:tcPr>
+                    <a:solidFill>
+                      <a:srgbClr val="FFFFFF"/>
+                    </a:solidFill>
+                  </a:tcPr>
+                </a:tc>
+                <a:tc>
+                  <a:txBody>
+                    <a:bodyPr tIns="18288" bIns="18288" lIns="45720" rIns="45720"/>
+                    <a:lstStyle/>
+                    <a:p>
+                      <a:pPr>
+                        <a:defRPr sz="700">
+                          <a:latin typeface="Arial Narrow"/>
+                        </a:defRPr>
+                      </a:pPr>
+                    </a:p>
+                  </a:txBody>
+                  <a:tcPr>
+                    <a:solidFill>
+                      <a:srgbClr val="FFFFFF"/>
+                    </a:solidFill>
+                  </a:tcPr>
                 </a:tc>
                 <a:tc>
                   <a:txBody>
@@ -4576,7 +5056,11 @@
                       </a:r>
                     </a:p>
                   </a:txBody>
-                  <a:tcPr/>
+                  <a:tcPr>
+                    <a:solidFill>
+                      <a:srgbClr val="FFFFFF"/>
+                    </a:solidFill>
+                  </a:tcPr>
                 </a:tc>
                 <a:tc>
                   <a:txBody>
@@ -4593,41 +5077,71 @@
                       </a:r>
                     </a:p>
                   </a:txBody>
-                  <a:tcPr/>
-                </a:tc>
-                <a:tc>
-                  <a:txBody>
-                    <a:bodyPr tIns="18288" bIns="18288" lIns="45720" rIns="45720"/>
-                    <a:lstStyle/>
-                    <a:p>
-                      <a:pPr>
-                        <a:defRPr sz="700">
-                          <a:latin typeface="Arial Narrow"/>
-                        </a:defRPr>
-                      </a:pPr>
-                      <a:r>
-                        <a:t>34.65837716, -1.92147132</a:t>
-                      </a:r>
-                    </a:p>
-                  </a:txBody>
-                  <a:tcPr/>
-                </a:tc>
-                <a:tc>
-                  <a:txBody>
-                    <a:bodyPr tIns="18288" bIns="18288" lIns="45720" rIns="45720"/>
-                    <a:lstStyle/>
-                    <a:p>
-                      <a:pPr>
-                        <a:defRPr sz="700">
-                          <a:latin typeface="Arial Narrow"/>
-                        </a:defRPr>
-                      </a:pPr>
-                      <a:r>
-                        <a:t>34.65805114, -1.91775437</a:t>
-                      </a:r>
-                    </a:p>
-                  </a:txBody>
-                  <a:tcPr/>
+                  <a:tcPr>
+                    <a:solidFill>
+                      <a:srgbClr val="FFFFFF"/>
+                    </a:solidFill>
+                  </a:tcPr>
+                </a:tc>
+                <a:tc>
+                  <a:txBody>
+                    <a:bodyPr tIns="18288" bIns="18288" lIns="45720" rIns="45720"/>
+                    <a:lstStyle/>
+                    <a:p>
+                      <a:pPr>
+                        <a:defRPr sz="700">
+                          <a:latin typeface="Arial Narrow"/>
+                        </a:defRPr>
+                      </a:pPr>
+                    </a:p>
+                  </a:txBody>
+                  <a:tcPr>
+                    <a:solidFill>
+                      <a:srgbClr val="FFFFFF"/>
+                    </a:solidFill>
+                  </a:tcPr>
+                </a:tc>
+                <a:tc>
+                  <a:txBody>
+                    <a:bodyPr tIns="18288" bIns="18288" lIns="45720" rIns="45720"/>
+                    <a:lstStyle/>
+                    <a:p>
+                      <a:pPr>
+                        <a:defRPr sz="700">
+                          <a:latin typeface="Arial Narrow"/>
+                        </a:defRPr>
+                      </a:pPr>
+                      <a:r>
+                        <a:t>34.65838, -1.92147</a:t>
+                      </a:r>
+                    </a:p>
+                  </a:txBody>
+                  <a:tcPr>
+                    <a:solidFill>
+                      <a:srgbClr val="FFFFFF"/>
+                    </a:solidFill>
+                  </a:tcPr>
+                </a:tc>
+                <a:tc>
+                  <a:txBody>
+                    <a:bodyPr tIns="18288" bIns="18288" lIns="45720" rIns="45720"/>
+                    <a:lstStyle/>
+                    <a:p>
+                      <a:pPr>
+                        <a:defRPr sz="700">
+                          <a:latin typeface="Arial Narrow"/>
+                        </a:defRPr>
+                      </a:pPr>
+                      <a:r>
+                        <a:t>34.65805, -1.91775</a:t>
+                      </a:r>
+                    </a:p>
+                  </a:txBody>
+                  <a:tcPr>
+                    <a:solidFill>
+                      <a:srgbClr val="FFFFFF"/>
+                    </a:solidFill>
+                  </a:tcPr>
                 </a:tc>
               </a:tr>
               <a:tr h="18000">
@@ -4648,7 +5162,7 @@
                   </a:txBody>
                   <a:tcPr>
                     <a:solidFill>
-                      <a:srgbClr val="F2F2F2"/>
+                      <a:srgbClr val="FFD4B9"/>
                     </a:solidFill>
                   </a:tcPr>
                 </a:tc>
@@ -4669,7 +5183,7 @@
                   </a:txBody>
                   <a:tcPr>
                     <a:solidFill>
-                      <a:srgbClr val="F2F2F2"/>
+                      <a:srgbClr val="FFD4B9"/>
                     </a:solidFill>
                   </a:tcPr>
                 </a:tc>
@@ -4690,7 +5204,25 @@
                   </a:txBody>
                   <a:tcPr>
                     <a:solidFill>
-                      <a:srgbClr val="F2F2F2"/>
+                      <a:srgbClr val="FFD4B9"/>
+                    </a:solidFill>
+                  </a:tcPr>
+                </a:tc>
+                <a:tc>
+                  <a:txBody>
+                    <a:bodyPr tIns="18288" bIns="18288" lIns="45720" rIns="45720"/>
+                    <a:lstStyle/>
+                    <a:p>
+                      <a:pPr>
+                        <a:defRPr sz="700">
+                          <a:latin typeface="Arial Narrow"/>
+                        </a:defRPr>
+                      </a:pPr>
+                    </a:p>
+                  </a:txBody>
+                  <a:tcPr>
+                    <a:solidFill>
+                      <a:srgbClr val="FFD4B9"/>
                     </a:solidFill>
                   </a:tcPr>
                 </a:tc>
@@ -4711,7 +5243,7 @@
                   </a:txBody>
                   <a:tcPr>
                     <a:solidFill>
-                      <a:srgbClr val="F2F2F2"/>
+                      <a:srgbClr val="FFD4B9"/>
                     </a:solidFill>
                   </a:tcPr>
                 </a:tc>
@@ -4732,49 +5264,67 @@
                   </a:txBody>
                   <a:tcPr>
                     <a:solidFill>
-                      <a:srgbClr val="F2F2F2"/>
-                    </a:solidFill>
-                  </a:tcPr>
-                </a:tc>
-                <a:tc>
-                  <a:txBody>
-                    <a:bodyPr tIns="18288" bIns="18288" lIns="45720" rIns="45720"/>
-                    <a:lstStyle/>
-                    <a:p>
-                      <a:pPr>
-                        <a:defRPr sz="700">
-                          <a:latin typeface="Arial Narrow"/>
-                        </a:defRPr>
-                      </a:pPr>
-                      <a:r>
-                        <a:t>34.72003785, -1.91149054</a:t>
-                      </a:r>
-                    </a:p>
-                  </a:txBody>
-                  <a:tcPr>
-                    <a:solidFill>
-                      <a:srgbClr val="F2F2F2"/>
-                    </a:solidFill>
-                  </a:tcPr>
-                </a:tc>
-                <a:tc>
-                  <a:txBody>
-                    <a:bodyPr tIns="18288" bIns="18288" lIns="45720" rIns="45720"/>
-                    <a:lstStyle/>
-                    <a:p>
-                      <a:pPr>
-                        <a:defRPr sz="700">
-                          <a:latin typeface="Arial Narrow"/>
-                        </a:defRPr>
-                      </a:pPr>
-                      <a:r>
-                        <a:t>34.71528646, -1.92119130</a:t>
-                      </a:r>
-                    </a:p>
-                  </a:txBody>
-                  <a:tcPr>
-                    <a:solidFill>
-                      <a:srgbClr val="F2F2F2"/>
+                      <a:srgbClr val="FFD4B9"/>
+                    </a:solidFill>
+                  </a:tcPr>
+                </a:tc>
+                <a:tc>
+                  <a:txBody>
+                    <a:bodyPr tIns="18288" bIns="18288" lIns="45720" rIns="45720"/>
+                    <a:lstStyle/>
+                    <a:p>
+                      <a:pPr>
+                        <a:defRPr sz="700">
+                          <a:latin typeface="Arial Narrow"/>
+                        </a:defRPr>
+                      </a:pPr>
+                    </a:p>
+                  </a:txBody>
+                  <a:tcPr>
+                    <a:solidFill>
+                      <a:srgbClr val="FFD4B9"/>
+                    </a:solidFill>
+                  </a:tcPr>
+                </a:tc>
+                <a:tc>
+                  <a:txBody>
+                    <a:bodyPr tIns="18288" bIns="18288" lIns="45720" rIns="45720"/>
+                    <a:lstStyle/>
+                    <a:p>
+                      <a:pPr>
+                        <a:defRPr sz="700">
+                          <a:latin typeface="Arial Narrow"/>
+                        </a:defRPr>
+                      </a:pPr>
+                      <a:r>
+                        <a:t>34.72004, -1.91149</a:t>
+                      </a:r>
+                    </a:p>
+                  </a:txBody>
+                  <a:tcPr>
+                    <a:solidFill>
+                      <a:srgbClr val="FFD4B9"/>
+                    </a:solidFill>
+                  </a:tcPr>
+                </a:tc>
+                <a:tc>
+                  <a:txBody>
+                    <a:bodyPr tIns="18288" bIns="18288" lIns="45720" rIns="45720"/>
+                    <a:lstStyle/>
+                    <a:p>
+                      <a:pPr>
+                        <a:defRPr sz="700">
+                          <a:latin typeface="Arial Narrow"/>
+                        </a:defRPr>
+                      </a:pPr>
+                      <a:r>
+                        <a:t>34.71529, -1.92119</a:t>
+                      </a:r>
+                    </a:p>
+                  </a:txBody>
+                  <a:tcPr>
+                    <a:solidFill>
+                      <a:srgbClr val="FFD4B9"/>
                     </a:solidFill>
                   </a:tcPr>
                 </a:tc>
@@ -4795,7 +5345,11 @@
                       </a:r>
                     </a:p>
                   </a:txBody>
-                  <a:tcPr/>
+                  <a:tcPr>
+                    <a:solidFill>
+                      <a:srgbClr val="FFFFFF"/>
+                    </a:solidFill>
+                  </a:tcPr>
                 </a:tc>
                 <a:tc>
                   <a:txBody>
@@ -4812,7 +5366,11 @@
                       </a:r>
                     </a:p>
                   </a:txBody>
-                  <a:tcPr/>
+                  <a:tcPr>
+                    <a:solidFill>
+                      <a:srgbClr val="FFFFFF"/>
+                    </a:solidFill>
+                  </a:tcPr>
                 </a:tc>
                 <a:tc>
                   <a:txBody>
@@ -4829,7 +5387,29 @@
                       </a:r>
                     </a:p>
                   </a:txBody>
-                  <a:tcPr/>
+                  <a:tcPr>
+                    <a:solidFill>
+                      <a:srgbClr val="FFFFFF"/>
+                    </a:solidFill>
+                  </a:tcPr>
+                </a:tc>
+                <a:tc>
+                  <a:txBody>
+                    <a:bodyPr tIns="18288" bIns="18288" lIns="45720" rIns="45720"/>
+                    <a:lstStyle/>
+                    <a:p>
+                      <a:pPr>
+                        <a:defRPr sz="700">
+                          <a:latin typeface="Arial Narrow"/>
+                        </a:defRPr>
+                      </a:pPr>
+                    </a:p>
+                  </a:txBody>
+                  <a:tcPr>
+                    <a:solidFill>
+                      <a:srgbClr val="FFFFFF"/>
+                    </a:solidFill>
+                  </a:tcPr>
                 </a:tc>
                 <a:tc>
                   <a:txBody>
@@ -4846,7 +5426,11 @@
                       </a:r>
                     </a:p>
                   </a:txBody>
-                  <a:tcPr/>
+                  <a:tcPr>
+                    <a:solidFill>
+                      <a:srgbClr val="FFFFFF"/>
+                    </a:solidFill>
+                  </a:tcPr>
                 </a:tc>
                 <a:tc>
                   <a:txBody>
@@ -4863,41 +5447,71 @@
                       </a:r>
                     </a:p>
                   </a:txBody>
-                  <a:tcPr/>
-                </a:tc>
-                <a:tc>
-                  <a:txBody>
-                    <a:bodyPr tIns="18288" bIns="18288" lIns="45720" rIns="45720"/>
-                    <a:lstStyle/>
-                    <a:p>
-                      <a:pPr>
-                        <a:defRPr sz="700">
-                          <a:latin typeface="Arial Narrow"/>
-                        </a:defRPr>
-                      </a:pPr>
-                      <a:r>
-                        <a:t>34.67427088, -1.90709075</a:t>
-                      </a:r>
-                    </a:p>
-                  </a:txBody>
-                  <a:tcPr/>
-                </a:tc>
-                <a:tc>
-                  <a:txBody>
-                    <a:bodyPr tIns="18288" bIns="18288" lIns="45720" rIns="45720"/>
-                    <a:lstStyle/>
-                    <a:p>
-                      <a:pPr>
-                        <a:defRPr sz="700">
-                          <a:latin typeface="Arial Narrow"/>
-                        </a:defRPr>
-                      </a:pPr>
-                      <a:r>
-                        <a:t>34.67236100, -1.90037200</a:t>
-                      </a:r>
-                    </a:p>
-                  </a:txBody>
-                  <a:tcPr/>
+                  <a:tcPr>
+                    <a:solidFill>
+                      <a:srgbClr val="FFFFFF"/>
+                    </a:solidFill>
+                  </a:tcPr>
+                </a:tc>
+                <a:tc>
+                  <a:txBody>
+                    <a:bodyPr tIns="18288" bIns="18288" lIns="45720" rIns="45720"/>
+                    <a:lstStyle/>
+                    <a:p>
+                      <a:pPr>
+                        <a:defRPr sz="700">
+                          <a:latin typeface="Arial Narrow"/>
+                        </a:defRPr>
+                      </a:pPr>
+                    </a:p>
+                  </a:txBody>
+                  <a:tcPr>
+                    <a:solidFill>
+                      <a:srgbClr val="FFFFFF"/>
+                    </a:solidFill>
+                  </a:tcPr>
+                </a:tc>
+                <a:tc>
+                  <a:txBody>
+                    <a:bodyPr tIns="18288" bIns="18288" lIns="45720" rIns="45720"/>
+                    <a:lstStyle/>
+                    <a:p>
+                      <a:pPr>
+                        <a:defRPr sz="700">
+                          <a:latin typeface="Arial Narrow"/>
+                        </a:defRPr>
+                      </a:pPr>
+                      <a:r>
+                        <a:t>34.67427, -1.90709</a:t>
+                      </a:r>
+                    </a:p>
+                  </a:txBody>
+                  <a:tcPr>
+                    <a:solidFill>
+                      <a:srgbClr val="FFFFFF"/>
+                    </a:solidFill>
+                  </a:tcPr>
+                </a:tc>
+                <a:tc>
+                  <a:txBody>
+                    <a:bodyPr tIns="18288" bIns="18288" lIns="45720" rIns="45720"/>
+                    <a:lstStyle/>
+                    <a:p>
+                      <a:pPr>
+                        <a:defRPr sz="700">
+                          <a:latin typeface="Arial Narrow"/>
+                        </a:defRPr>
+                      </a:pPr>
+                      <a:r>
+                        <a:t>34.67236, -1.90037</a:t>
+                      </a:r>
+                    </a:p>
+                  </a:txBody>
+                  <a:tcPr>
+                    <a:solidFill>
+                      <a:srgbClr val="FFFFFF"/>
+                    </a:solidFill>
+                  </a:tcPr>
                 </a:tc>
               </a:tr>
               <a:tr h="18000">
@@ -4918,7 +5532,7 @@
                   </a:txBody>
                   <a:tcPr>
                     <a:solidFill>
-                      <a:srgbClr val="F2F2F2"/>
+                      <a:srgbClr val="FFD4B9"/>
                     </a:solidFill>
                   </a:tcPr>
                 </a:tc>
@@ -4939,7 +5553,7 @@
                   </a:txBody>
                   <a:tcPr>
                     <a:solidFill>
-                      <a:srgbClr val="F2F2F2"/>
+                      <a:srgbClr val="FFD4B9"/>
                     </a:solidFill>
                   </a:tcPr>
                 </a:tc>
@@ -4960,7 +5574,25 @@
                   </a:txBody>
                   <a:tcPr>
                     <a:solidFill>
-                      <a:srgbClr val="F2F2F2"/>
+                      <a:srgbClr val="FFD4B9"/>
+                    </a:solidFill>
+                  </a:tcPr>
+                </a:tc>
+                <a:tc>
+                  <a:txBody>
+                    <a:bodyPr tIns="18288" bIns="18288" lIns="45720" rIns="45720"/>
+                    <a:lstStyle/>
+                    <a:p>
+                      <a:pPr>
+                        <a:defRPr sz="700">
+                          <a:latin typeface="Arial Narrow"/>
+                        </a:defRPr>
+                      </a:pPr>
+                    </a:p>
+                  </a:txBody>
+                  <a:tcPr>
+                    <a:solidFill>
+                      <a:srgbClr val="FFD4B9"/>
                     </a:solidFill>
                   </a:tcPr>
                 </a:tc>
@@ -4981,7 +5613,7 @@
                   </a:txBody>
                   <a:tcPr>
                     <a:solidFill>
-                      <a:srgbClr val="F2F2F2"/>
+                      <a:srgbClr val="FFD4B9"/>
                     </a:solidFill>
                   </a:tcPr>
                 </a:tc>
@@ -5002,49 +5634,67 @@
                   </a:txBody>
                   <a:tcPr>
                     <a:solidFill>
-                      <a:srgbClr val="F2F2F2"/>
-                    </a:solidFill>
-                  </a:tcPr>
-                </a:tc>
-                <a:tc>
-                  <a:txBody>
-                    <a:bodyPr tIns="18288" bIns="18288" lIns="45720" rIns="45720"/>
-                    <a:lstStyle/>
-                    <a:p>
-                      <a:pPr>
-                        <a:defRPr sz="700">
-                          <a:latin typeface="Arial Narrow"/>
-                        </a:defRPr>
-                      </a:pPr>
-                      <a:r>
-                        <a:t>34.65302490, -1.94748525</a:t>
-                      </a:r>
-                    </a:p>
-                  </a:txBody>
-                  <a:tcPr>
-                    <a:solidFill>
-                      <a:srgbClr val="F2F2F2"/>
-                    </a:solidFill>
-                  </a:tcPr>
-                </a:tc>
-                <a:tc>
-                  <a:txBody>
-                    <a:bodyPr tIns="18288" bIns="18288" lIns="45720" rIns="45720"/>
-                    <a:lstStyle/>
-                    <a:p>
-                      <a:pPr>
-                        <a:defRPr sz="700">
-                          <a:latin typeface="Arial Narrow"/>
-                        </a:defRPr>
-                      </a:pPr>
-                      <a:r>
-                        <a:t>34.66990853, -1.93747779</a:t>
-                      </a:r>
-                    </a:p>
-                  </a:txBody>
-                  <a:tcPr>
-                    <a:solidFill>
-                      <a:srgbClr val="F2F2F2"/>
+                      <a:srgbClr val="FFD4B9"/>
+                    </a:solidFill>
+                  </a:tcPr>
+                </a:tc>
+                <a:tc>
+                  <a:txBody>
+                    <a:bodyPr tIns="18288" bIns="18288" lIns="45720" rIns="45720"/>
+                    <a:lstStyle/>
+                    <a:p>
+                      <a:pPr>
+                        <a:defRPr sz="700">
+                          <a:latin typeface="Arial Narrow"/>
+                        </a:defRPr>
+                      </a:pPr>
+                    </a:p>
+                  </a:txBody>
+                  <a:tcPr>
+                    <a:solidFill>
+                      <a:srgbClr val="FFD4B9"/>
+                    </a:solidFill>
+                  </a:tcPr>
+                </a:tc>
+                <a:tc>
+                  <a:txBody>
+                    <a:bodyPr tIns="18288" bIns="18288" lIns="45720" rIns="45720"/>
+                    <a:lstStyle/>
+                    <a:p>
+                      <a:pPr>
+                        <a:defRPr sz="700">
+                          <a:latin typeface="Arial Narrow"/>
+                        </a:defRPr>
+                      </a:pPr>
+                      <a:r>
+                        <a:t>34.65302, -1.94749</a:t>
+                      </a:r>
+                    </a:p>
+                  </a:txBody>
+                  <a:tcPr>
+                    <a:solidFill>
+                      <a:srgbClr val="FFD4B9"/>
+                    </a:solidFill>
+                  </a:tcPr>
+                </a:tc>
+                <a:tc>
+                  <a:txBody>
+                    <a:bodyPr tIns="18288" bIns="18288" lIns="45720" rIns="45720"/>
+                    <a:lstStyle/>
+                    <a:p>
+                      <a:pPr>
+                        <a:defRPr sz="700">
+                          <a:latin typeface="Arial Narrow"/>
+                        </a:defRPr>
+                      </a:pPr>
+                      <a:r>
+                        <a:t>34.66991, -1.93748</a:t>
+                      </a:r>
+                    </a:p>
+                  </a:txBody>
+                  <a:tcPr>
+                    <a:solidFill>
+                      <a:srgbClr val="FFD4B9"/>
                     </a:solidFill>
                   </a:tcPr>
                 </a:tc>
@@ -5065,7 +5715,11 @@
                       </a:r>
                     </a:p>
                   </a:txBody>
-                  <a:tcPr/>
+                  <a:tcPr>
+                    <a:solidFill>
+                      <a:srgbClr val="FFFFFF"/>
+                    </a:solidFill>
+                  </a:tcPr>
                 </a:tc>
                 <a:tc>
                   <a:txBody>
@@ -5082,7 +5736,11 @@
                       </a:r>
                     </a:p>
                   </a:txBody>
-                  <a:tcPr/>
+                  <a:tcPr>
+                    <a:solidFill>
+                      <a:srgbClr val="FFFFFF"/>
+                    </a:solidFill>
+                  </a:tcPr>
                 </a:tc>
                 <a:tc>
                   <a:txBody>
@@ -5099,7 +5757,29 @@
                       </a:r>
                     </a:p>
                   </a:txBody>
-                  <a:tcPr/>
+                  <a:tcPr>
+                    <a:solidFill>
+                      <a:srgbClr val="FFFFFF"/>
+                    </a:solidFill>
+                  </a:tcPr>
+                </a:tc>
+                <a:tc>
+                  <a:txBody>
+                    <a:bodyPr tIns="18288" bIns="18288" lIns="45720" rIns="45720"/>
+                    <a:lstStyle/>
+                    <a:p>
+                      <a:pPr>
+                        <a:defRPr sz="700">
+                          <a:latin typeface="Arial Narrow"/>
+                        </a:defRPr>
+                      </a:pPr>
+                    </a:p>
+                  </a:txBody>
+                  <a:tcPr>
+                    <a:solidFill>
+                      <a:srgbClr val="FFFFFF"/>
+                    </a:solidFill>
+                  </a:tcPr>
                 </a:tc>
                 <a:tc>
                   <a:txBody>
@@ -5116,7 +5796,11 @@
                       </a:r>
                     </a:p>
                   </a:txBody>
-                  <a:tcPr/>
+                  <a:tcPr>
+                    <a:solidFill>
+                      <a:srgbClr val="FFFFFF"/>
+                    </a:solidFill>
+                  </a:tcPr>
                 </a:tc>
                 <a:tc>
                   <a:txBody>
@@ -5133,41 +5817,71 @@
                       </a:r>
                     </a:p>
                   </a:txBody>
-                  <a:tcPr/>
-                </a:tc>
-                <a:tc>
-                  <a:txBody>
-                    <a:bodyPr tIns="18288" bIns="18288" lIns="45720" rIns="45720"/>
-                    <a:lstStyle/>
-                    <a:p>
-                      <a:pPr>
-                        <a:defRPr sz="700">
-                          <a:latin typeface="Arial Narrow"/>
-                        </a:defRPr>
-                      </a:pPr>
-                      <a:r>
-                        <a:t>34.65599355, -1.87290477</a:t>
-                      </a:r>
-                    </a:p>
-                  </a:txBody>
-                  <a:tcPr/>
-                </a:tc>
-                <a:tc>
-                  <a:txBody>
-                    <a:bodyPr tIns="18288" bIns="18288" lIns="45720" rIns="45720"/>
-                    <a:lstStyle/>
-                    <a:p>
-                      <a:pPr>
-                        <a:defRPr sz="700">
-                          <a:latin typeface="Arial Narrow"/>
-                        </a:defRPr>
-                      </a:pPr>
-                      <a:r>
-                        <a:t>34.66530637, -1.89022996</a:t>
-                      </a:r>
-                    </a:p>
-                  </a:txBody>
-                  <a:tcPr/>
+                  <a:tcPr>
+                    <a:solidFill>
+                      <a:srgbClr val="FFFFFF"/>
+                    </a:solidFill>
+                  </a:tcPr>
+                </a:tc>
+                <a:tc>
+                  <a:txBody>
+                    <a:bodyPr tIns="18288" bIns="18288" lIns="45720" rIns="45720"/>
+                    <a:lstStyle/>
+                    <a:p>
+                      <a:pPr>
+                        <a:defRPr sz="700">
+                          <a:latin typeface="Arial Narrow"/>
+                        </a:defRPr>
+                      </a:pPr>
+                    </a:p>
+                  </a:txBody>
+                  <a:tcPr>
+                    <a:solidFill>
+                      <a:srgbClr val="FFFFFF"/>
+                    </a:solidFill>
+                  </a:tcPr>
+                </a:tc>
+                <a:tc>
+                  <a:txBody>
+                    <a:bodyPr tIns="18288" bIns="18288" lIns="45720" rIns="45720"/>
+                    <a:lstStyle/>
+                    <a:p>
+                      <a:pPr>
+                        <a:defRPr sz="700">
+                          <a:latin typeface="Arial Narrow"/>
+                        </a:defRPr>
+                      </a:pPr>
+                      <a:r>
+                        <a:t>34.65599, -1.87290</a:t>
+                      </a:r>
+                    </a:p>
+                  </a:txBody>
+                  <a:tcPr>
+                    <a:solidFill>
+                      <a:srgbClr val="FFFFFF"/>
+                    </a:solidFill>
+                  </a:tcPr>
+                </a:tc>
+                <a:tc>
+                  <a:txBody>
+                    <a:bodyPr tIns="18288" bIns="18288" lIns="45720" rIns="45720"/>
+                    <a:lstStyle/>
+                    <a:p>
+                      <a:pPr>
+                        <a:defRPr sz="700">
+                          <a:latin typeface="Arial Narrow"/>
+                        </a:defRPr>
+                      </a:pPr>
+                      <a:r>
+                        <a:t>34.66531, -1.89023</a:t>
+                      </a:r>
+                    </a:p>
+                  </a:txBody>
+                  <a:tcPr>
+                    <a:solidFill>
+                      <a:srgbClr val="FFFFFF"/>
+                    </a:solidFill>
+                  </a:tcPr>
                 </a:tc>
               </a:tr>
               <a:tr h="18000">
@@ -5188,7 +5902,7 @@
                   </a:txBody>
                   <a:tcPr>
                     <a:solidFill>
-                      <a:srgbClr val="F2F2F2"/>
+                      <a:srgbClr val="FFD4B9"/>
                     </a:solidFill>
                   </a:tcPr>
                 </a:tc>
@@ -5209,7 +5923,7 @@
                   </a:txBody>
                   <a:tcPr>
                     <a:solidFill>
-                      <a:srgbClr val="F2F2F2"/>
+                      <a:srgbClr val="FFD4B9"/>
                     </a:solidFill>
                   </a:tcPr>
                 </a:tc>
@@ -5230,7 +5944,25 @@
                   </a:txBody>
                   <a:tcPr>
                     <a:solidFill>
-                      <a:srgbClr val="F2F2F2"/>
+                      <a:srgbClr val="FFD4B9"/>
+                    </a:solidFill>
+                  </a:tcPr>
+                </a:tc>
+                <a:tc>
+                  <a:txBody>
+                    <a:bodyPr tIns="18288" bIns="18288" lIns="45720" rIns="45720"/>
+                    <a:lstStyle/>
+                    <a:p>
+                      <a:pPr>
+                        <a:defRPr sz="700">
+                          <a:latin typeface="Arial Narrow"/>
+                        </a:defRPr>
+                      </a:pPr>
+                    </a:p>
+                  </a:txBody>
+                  <a:tcPr>
+                    <a:solidFill>
+                      <a:srgbClr val="FFD4B9"/>
                     </a:solidFill>
                   </a:tcPr>
                 </a:tc>
@@ -5251,7 +5983,7 @@
                   </a:txBody>
                   <a:tcPr>
                     <a:solidFill>
-                      <a:srgbClr val="F2F2F2"/>
+                      <a:srgbClr val="FFD4B9"/>
                     </a:solidFill>
                   </a:tcPr>
                 </a:tc>
@@ -5272,49 +6004,67 @@
                   </a:txBody>
                   <a:tcPr>
                     <a:solidFill>
-                      <a:srgbClr val="F2F2F2"/>
-                    </a:solidFill>
-                  </a:tcPr>
-                </a:tc>
-                <a:tc>
-                  <a:txBody>
-                    <a:bodyPr tIns="18288" bIns="18288" lIns="45720" rIns="45720"/>
-                    <a:lstStyle/>
-                    <a:p>
-                      <a:pPr>
-                        <a:defRPr sz="700">
-                          <a:latin typeface="Arial Narrow"/>
-                        </a:defRPr>
-                      </a:pPr>
-                      <a:r>
-                        <a:t>34.71280532, -1.89528747</a:t>
-                      </a:r>
-                    </a:p>
-                  </a:txBody>
-                  <a:tcPr>
-                    <a:solidFill>
-                      <a:srgbClr val="F2F2F2"/>
-                    </a:solidFill>
-                  </a:tcPr>
-                </a:tc>
-                <a:tc>
-                  <a:txBody>
-                    <a:bodyPr tIns="18288" bIns="18288" lIns="45720" rIns="45720"/>
-                    <a:lstStyle/>
-                    <a:p>
-                      <a:pPr>
-                        <a:defRPr sz="700">
-                          <a:latin typeface="Arial Narrow"/>
-                        </a:defRPr>
-                      </a:pPr>
-                      <a:r>
-                        <a:t>34.70898800, -1.89084100</a:t>
-                      </a:r>
-                    </a:p>
-                  </a:txBody>
-                  <a:tcPr>
-                    <a:solidFill>
-                      <a:srgbClr val="F2F2F2"/>
+                      <a:srgbClr val="FFD4B9"/>
+                    </a:solidFill>
+                  </a:tcPr>
+                </a:tc>
+                <a:tc>
+                  <a:txBody>
+                    <a:bodyPr tIns="18288" bIns="18288" lIns="45720" rIns="45720"/>
+                    <a:lstStyle/>
+                    <a:p>
+                      <a:pPr>
+                        <a:defRPr sz="700">
+                          <a:latin typeface="Arial Narrow"/>
+                        </a:defRPr>
+                      </a:pPr>
+                    </a:p>
+                  </a:txBody>
+                  <a:tcPr>
+                    <a:solidFill>
+                      <a:srgbClr val="FFD4B9"/>
+                    </a:solidFill>
+                  </a:tcPr>
+                </a:tc>
+                <a:tc>
+                  <a:txBody>
+                    <a:bodyPr tIns="18288" bIns="18288" lIns="45720" rIns="45720"/>
+                    <a:lstStyle/>
+                    <a:p>
+                      <a:pPr>
+                        <a:defRPr sz="700">
+                          <a:latin typeface="Arial Narrow"/>
+                        </a:defRPr>
+                      </a:pPr>
+                      <a:r>
+                        <a:t>34.71281, -1.89529</a:t>
+                      </a:r>
+                    </a:p>
+                  </a:txBody>
+                  <a:tcPr>
+                    <a:solidFill>
+                      <a:srgbClr val="FFD4B9"/>
+                    </a:solidFill>
+                  </a:tcPr>
+                </a:tc>
+                <a:tc>
+                  <a:txBody>
+                    <a:bodyPr tIns="18288" bIns="18288" lIns="45720" rIns="45720"/>
+                    <a:lstStyle/>
+                    <a:p>
+                      <a:pPr>
+                        <a:defRPr sz="700">
+                          <a:latin typeface="Arial Narrow"/>
+                        </a:defRPr>
+                      </a:pPr>
+                      <a:r>
+                        <a:t>34.70899, -1.89084</a:t>
+                      </a:r>
+                    </a:p>
+                  </a:txBody>
+                  <a:tcPr>
+                    <a:solidFill>
+                      <a:srgbClr val="FFD4B9"/>
                     </a:solidFill>
                   </a:tcPr>
                 </a:tc>
@@ -5335,7 +6085,11 @@
                       </a:r>
                     </a:p>
                   </a:txBody>
-                  <a:tcPr/>
+                  <a:tcPr>
+                    <a:solidFill>
+                      <a:srgbClr val="FFFFFF"/>
+                    </a:solidFill>
+                  </a:tcPr>
                 </a:tc>
                 <a:tc>
                   <a:txBody>
@@ -5352,7 +6106,11 @@
                       </a:r>
                     </a:p>
                   </a:txBody>
-                  <a:tcPr/>
+                  <a:tcPr>
+                    <a:solidFill>
+                      <a:srgbClr val="FFFFFF"/>
+                    </a:solidFill>
+                  </a:tcPr>
                 </a:tc>
                 <a:tc>
                   <a:txBody>
@@ -5369,7 +6127,29 @@
                       </a:r>
                     </a:p>
                   </a:txBody>
-                  <a:tcPr/>
+                  <a:tcPr>
+                    <a:solidFill>
+                      <a:srgbClr val="FFFFFF"/>
+                    </a:solidFill>
+                  </a:tcPr>
+                </a:tc>
+                <a:tc>
+                  <a:txBody>
+                    <a:bodyPr tIns="18288" bIns="18288" lIns="45720" rIns="45720"/>
+                    <a:lstStyle/>
+                    <a:p>
+                      <a:pPr>
+                        <a:defRPr sz="700">
+                          <a:latin typeface="Arial Narrow"/>
+                        </a:defRPr>
+                      </a:pPr>
+                    </a:p>
+                  </a:txBody>
+                  <a:tcPr>
+                    <a:solidFill>
+                      <a:srgbClr val="FFFFFF"/>
+                    </a:solidFill>
+                  </a:tcPr>
                 </a:tc>
                 <a:tc>
                   <a:txBody>
@@ -5386,7 +6166,11 @@
                       </a:r>
                     </a:p>
                   </a:txBody>
-                  <a:tcPr/>
+                  <a:tcPr>
+                    <a:solidFill>
+                      <a:srgbClr val="FFFFFF"/>
+                    </a:solidFill>
+                  </a:tcPr>
                 </a:tc>
                 <a:tc>
                   <a:txBody>
@@ -5403,41 +6187,71 @@
                       </a:r>
                     </a:p>
                   </a:txBody>
-                  <a:tcPr/>
-                </a:tc>
-                <a:tc>
-                  <a:txBody>
-                    <a:bodyPr tIns="18288" bIns="18288" lIns="45720" rIns="45720"/>
-                    <a:lstStyle/>
-                    <a:p>
-                      <a:pPr>
-                        <a:defRPr sz="700">
-                          <a:latin typeface="Arial Narrow"/>
-                        </a:defRPr>
-                      </a:pPr>
-                      <a:r>
-                        <a:t>34.66209238, -1.88822613</a:t>
-                      </a:r>
-                    </a:p>
-                  </a:txBody>
-                  <a:tcPr/>
-                </a:tc>
-                <a:tc>
-                  <a:txBody>
-                    <a:bodyPr tIns="18288" bIns="18288" lIns="45720" rIns="45720"/>
-                    <a:lstStyle/>
-                    <a:p>
-                      <a:pPr>
-                        <a:defRPr sz="700">
-                          <a:latin typeface="Arial Narrow"/>
-                        </a:defRPr>
-                      </a:pPr>
-                      <a:r>
-                        <a:t>34.66525682, -1.89016524</a:t>
-                      </a:r>
-                    </a:p>
-                  </a:txBody>
-                  <a:tcPr/>
+                  <a:tcPr>
+                    <a:solidFill>
+                      <a:srgbClr val="FFFFFF"/>
+                    </a:solidFill>
+                  </a:tcPr>
+                </a:tc>
+                <a:tc>
+                  <a:txBody>
+                    <a:bodyPr tIns="18288" bIns="18288" lIns="45720" rIns="45720"/>
+                    <a:lstStyle/>
+                    <a:p>
+                      <a:pPr>
+                        <a:defRPr sz="700">
+                          <a:latin typeface="Arial Narrow"/>
+                        </a:defRPr>
+                      </a:pPr>
+                    </a:p>
+                  </a:txBody>
+                  <a:tcPr>
+                    <a:solidFill>
+                      <a:srgbClr val="FFFFFF"/>
+                    </a:solidFill>
+                  </a:tcPr>
+                </a:tc>
+                <a:tc>
+                  <a:txBody>
+                    <a:bodyPr tIns="18288" bIns="18288" lIns="45720" rIns="45720"/>
+                    <a:lstStyle/>
+                    <a:p>
+                      <a:pPr>
+                        <a:defRPr sz="700">
+                          <a:latin typeface="Arial Narrow"/>
+                        </a:defRPr>
+                      </a:pPr>
+                      <a:r>
+                        <a:t>34.66209, -1.88823</a:t>
+                      </a:r>
+                    </a:p>
+                  </a:txBody>
+                  <a:tcPr>
+                    <a:solidFill>
+                      <a:srgbClr val="FFFFFF"/>
+                    </a:solidFill>
+                  </a:tcPr>
+                </a:tc>
+                <a:tc>
+                  <a:txBody>
+                    <a:bodyPr tIns="18288" bIns="18288" lIns="45720" rIns="45720"/>
+                    <a:lstStyle/>
+                    <a:p>
+                      <a:pPr>
+                        <a:defRPr sz="700">
+                          <a:latin typeface="Arial Narrow"/>
+                        </a:defRPr>
+                      </a:pPr>
+                      <a:r>
+                        <a:t>34.66526, -1.89017</a:t>
+                      </a:r>
+                    </a:p>
+                  </a:txBody>
+                  <a:tcPr>
+                    <a:solidFill>
+                      <a:srgbClr val="FFFFFF"/>
+                    </a:solidFill>
+                  </a:tcPr>
                 </a:tc>
               </a:tr>
               <a:tr h="18000">
@@ -5458,7 +6272,7 @@
                   </a:txBody>
                   <a:tcPr>
                     <a:solidFill>
-                      <a:srgbClr val="F2F2F2"/>
+                      <a:srgbClr val="FFD4B9"/>
                     </a:solidFill>
                   </a:tcPr>
                 </a:tc>
@@ -5479,7 +6293,7 @@
                   </a:txBody>
                   <a:tcPr>
                     <a:solidFill>
-                      <a:srgbClr val="F2F2F2"/>
+                      <a:srgbClr val="FFD4B9"/>
                     </a:solidFill>
                   </a:tcPr>
                 </a:tc>
@@ -5500,7 +6314,25 @@
                   </a:txBody>
                   <a:tcPr>
                     <a:solidFill>
-                      <a:srgbClr val="F2F2F2"/>
+                      <a:srgbClr val="FFD4B9"/>
+                    </a:solidFill>
+                  </a:tcPr>
+                </a:tc>
+                <a:tc>
+                  <a:txBody>
+                    <a:bodyPr tIns="18288" bIns="18288" lIns="45720" rIns="45720"/>
+                    <a:lstStyle/>
+                    <a:p>
+                      <a:pPr>
+                        <a:defRPr sz="700">
+                          <a:latin typeface="Arial Narrow"/>
+                        </a:defRPr>
+                      </a:pPr>
+                    </a:p>
+                  </a:txBody>
+                  <a:tcPr>
+                    <a:solidFill>
+                      <a:srgbClr val="FFD4B9"/>
                     </a:solidFill>
                   </a:tcPr>
                 </a:tc>
@@ -5521,7 +6353,7 @@
                   </a:txBody>
                   <a:tcPr>
                     <a:solidFill>
-                      <a:srgbClr val="F2F2F2"/>
+                      <a:srgbClr val="FFD4B9"/>
                     </a:solidFill>
                   </a:tcPr>
                 </a:tc>
@@ -5542,49 +6374,67 @@
                   </a:txBody>
                   <a:tcPr>
                     <a:solidFill>
-                      <a:srgbClr val="F2F2F2"/>
-                    </a:solidFill>
-                  </a:tcPr>
-                </a:tc>
-                <a:tc>
-                  <a:txBody>
-                    <a:bodyPr tIns="18288" bIns="18288" lIns="45720" rIns="45720"/>
-                    <a:lstStyle/>
-                    <a:p>
-                      <a:pPr>
-                        <a:defRPr sz="700">
-                          <a:latin typeface="Arial Narrow"/>
-                        </a:defRPr>
-                      </a:pPr>
-                      <a:r>
-                        <a:t>34.65855800, -1.88513100</a:t>
-                      </a:r>
-                    </a:p>
-                  </a:txBody>
-                  <a:tcPr>
-                    <a:solidFill>
-                      <a:srgbClr val="F2F2F2"/>
-                    </a:solidFill>
-                  </a:tcPr>
-                </a:tc>
-                <a:tc>
-                  <a:txBody>
-                    <a:bodyPr tIns="18288" bIns="18288" lIns="45720" rIns="45720"/>
-                    <a:lstStyle/>
-                    <a:p>
-                      <a:pPr>
-                        <a:defRPr sz="700">
-                          <a:latin typeface="Arial Narrow"/>
-                        </a:defRPr>
-                      </a:pPr>
-                      <a:r>
-                        <a:t>34.65531455, -1.88785786</a:t>
-                      </a:r>
-                    </a:p>
-                  </a:txBody>
-                  <a:tcPr>
-                    <a:solidFill>
-                      <a:srgbClr val="F2F2F2"/>
+                      <a:srgbClr val="FFD4B9"/>
+                    </a:solidFill>
+                  </a:tcPr>
+                </a:tc>
+                <a:tc>
+                  <a:txBody>
+                    <a:bodyPr tIns="18288" bIns="18288" lIns="45720" rIns="45720"/>
+                    <a:lstStyle/>
+                    <a:p>
+                      <a:pPr>
+                        <a:defRPr sz="700">
+                          <a:latin typeface="Arial Narrow"/>
+                        </a:defRPr>
+                      </a:pPr>
+                    </a:p>
+                  </a:txBody>
+                  <a:tcPr>
+                    <a:solidFill>
+                      <a:srgbClr val="FFD4B9"/>
+                    </a:solidFill>
+                  </a:tcPr>
+                </a:tc>
+                <a:tc>
+                  <a:txBody>
+                    <a:bodyPr tIns="18288" bIns="18288" lIns="45720" rIns="45720"/>
+                    <a:lstStyle/>
+                    <a:p>
+                      <a:pPr>
+                        <a:defRPr sz="700">
+                          <a:latin typeface="Arial Narrow"/>
+                        </a:defRPr>
+                      </a:pPr>
+                      <a:r>
+                        <a:t>34.65856, -1.88513</a:t>
+                      </a:r>
+                    </a:p>
+                  </a:txBody>
+                  <a:tcPr>
+                    <a:solidFill>
+                      <a:srgbClr val="FFD4B9"/>
+                    </a:solidFill>
+                  </a:tcPr>
+                </a:tc>
+                <a:tc>
+                  <a:txBody>
+                    <a:bodyPr tIns="18288" bIns="18288" lIns="45720" rIns="45720"/>
+                    <a:lstStyle/>
+                    <a:p>
+                      <a:pPr>
+                        <a:defRPr sz="700">
+                          <a:latin typeface="Arial Narrow"/>
+                        </a:defRPr>
+                      </a:pPr>
+                      <a:r>
+                        <a:t>34.65531, -1.88786</a:t>
+                      </a:r>
+                    </a:p>
+                  </a:txBody>
+                  <a:tcPr>
+                    <a:solidFill>
+                      <a:srgbClr val="FFD4B9"/>
                     </a:solidFill>
                   </a:tcPr>
                 </a:tc>
@@ -5605,7 +6455,11 @@
                       </a:r>
                     </a:p>
                   </a:txBody>
-                  <a:tcPr/>
+                  <a:tcPr>
+                    <a:solidFill>
+                      <a:srgbClr val="FFFFFF"/>
+                    </a:solidFill>
+                  </a:tcPr>
                 </a:tc>
                 <a:tc>
                   <a:txBody>
@@ -5622,7 +6476,11 @@
                       </a:r>
                     </a:p>
                   </a:txBody>
-                  <a:tcPr/>
+                  <a:tcPr>
+                    <a:solidFill>
+                      <a:srgbClr val="FFFFFF"/>
+                    </a:solidFill>
+                  </a:tcPr>
                 </a:tc>
                 <a:tc>
                   <a:txBody>
@@ -5639,7 +6497,29 @@
                       </a:r>
                     </a:p>
                   </a:txBody>
-                  <a:tcPr/>
+                  <a:tcPr>
+                    <a:solidFill>
+                      <a:srgbClr val="FFFFFF"/>
+                    </a:solidFill>
+                  </a:tcPr>
+                </a:tc>
+                <a:tc>
+                  <a:txBody>
+                    <a:bodyPr tIns="18288" bIns="18288" lIns="45720" rIns="45720"/>
+                    <a:lstStyle/>
+                    <a:p>
+                      <a:pPr>
+                        <a:defRPr sz="700">
+                          <a:latin typeface="Arial Narrow"/>
+                        </a:defRPr>
+                      </a:pPr>
+                    </a:p>
+                  </a:txBody>
+                  <a:tcPr>
+                    <a:solidFill>
+                      <a:srgbClr val="FFFFFF"/>
+                    </a:solidFill>
+                  </a:tcPr>
                 </a:tc>
                 <a:tc>
                   <a:txBody>
@@ -5656,7 +6536,11 @@
                       </a:r>
                     </a:p>
                   </a:txBody>
-                  <a:tcPr/>
+                  <a:tcPr>
+                    <a:solidFill>
+                      <a:srgbClr val="FFFFFF"/>
+                    </a:solidFill>
+                  </a:tcPr>
                 </a:tc>
                 <a:tc>
                   <a:txBody>
@@ -5673,41 +6557,71 @@
                       </a:r>
                     </a:p>
                   </a:txBody>
-                  <a:tcPr/>
-                </a:tc>
-                <a:tc>
-                  <a:txBody>
-                    <a:bodyPr tIns="18288" bIns="18288" lIns="45720" rIns="45720"/>
-                    <a:lstStyle/>
-                    <a:p>
-                      <a:pPr>
-                        <a:defRPr sz="700">
-                          <a:latin typeface="Arial Narrow"/>
-                        </a:defRPr>
-                      </a:pPr>
-                      <a:r>
-                        <a:t>34.65980636, -1.90707285</a:t>
-                      </a:r>
-                    </a:p>
-                  </a:txBody>
-                  <a:tcPr/>
-                </a:tc>
-                <a:tc>
-                  <a:txBody>
-                    <a:bodyPr tIns="18288" bIns="18288" lIns="45720" rIns="45720"/>
-                    <a:lstStyle/>
-                    <a:p>
-                      <a:pPr>
-                        <a:defRPr sz="700">
-                          <a:latin typeface="Arial Narrow"/>
-                        </a:defRPr>
-                      </a:pPr>
-                      <a:r>
-                        <a:t>34.65708892, -1.90879270</a:t>
-                      </a:r>
-                    </a:p>
-                  </a:txBody>
-                  <a:tcPr/>
+                  <a:tcPr>
+                    <a:solidFill>
+                      <a:srgbClr val="FFFFFF"/>
+                    </a:solidFill>
+                  </a:tcPr>
+                </a:tc>
+                <a:tc>
+                  <a:txBody>
+                    <a:bodyPr tIns="18288" bIns="18288" lIns="45720" rIns="45720"/>
+                    <a:lstStyle/>
+                    <a:p>
+                      <a:pPr>
+                        <a:defRPr sz="700">
+                          <a:latin typeface="Arial Narrow"/>
+                        </a:defRPr>
+                      </a:pPr>
+                    </a:p>
+                  </a:txBody>
+                  <a:tcPr>
+                    <a:solidFill>
+                      <a:srgbClr val="FFFFFF"/>
+                    </a:solidFill>
+                  </a:tcPr>
+                </a:tc>
+                <a:tc>
+                  <a:txBody>
+                    <a:bodyPr tIns="18288" bIns="18288" lIns="45720" rIns="45720"/>
+                    <a:lstStyle/>
+                    <a:p>
+                      <a:pPr>
+                        <a:defRPr sz="700">
+                          <a:latin typeface="Arial Narrow"/>
+                        </a:defRPr>
+                      </a:pPr>
+                      <a:r>
+                        <a:t>34.65981, -1.90707</a:t>
+                      </a:r>
+                    </a:p>
+                  </a:txBody>
+                  <a:tcPr>
+                    <a:solidFill>
+                      <a:srgbClr val="FFFFFF"/>
+                    </a:solidFill>
+                  </a:tcPr>
+                </a:tc>
+                <a:tc>
+                  <a:txBody>
+                    <a:bodyPr tIns="18288" bIns="18288" lIns="45720" rIns="45720"/>
+                    <a:lstStyle/>
+                    <a:p>
+                      <a:pPr>
+                        <a:defRPr sz="700">
+                          <a:latin typeface="Arial Narrow"/>
+                        </a:defRPr>
+                      </a:pPr>
+                      <a:r>
+                        <a:t>34.65709, -1.90879</a:t>
+                      </a:r>
+                    </a:p>
+                  </a:txBody>
+                  <a:tcPr>
+                    <a:solidFill>
+                      <a:srgbClr val="FFFFFF"/>
+                    </a:solidFill>
+                  </a:tcPr>
                 </a:tc>
               </a:tr>
               <a:tr h="18000">
@@ -5728,7 +6642,7 @@
                   </a:txBody>
                   <a:tcPr>
                     <a:solidFill>
-                      <a:srgbClr val="F2F2F2"/>
+                      <a:srgbClr val="FFD4B9"/>
                     </a:solidFill>
                   </a:tcPr>
                 </a:tc>
@@ -5749,7 +6663,7 @@
                   </a:txBody>
                   <a:tcPr>
                     <a:solidFill>
-                      <a:srgbClr val="F2F2F2"/>
+                      <a:srgbClr val="FFD4B9"/>
                     </a:solidFill>
                   </a:tcPr>
                 </a:tc>
@@ -5770,7 +6684,25 @@
                   </a:txBody>
                   <a:tcPr>
                     <a:solidFill>
-                      <a:srgbClr val="F2F2F2"/>
+                      <a:srgbClr val="FFD4B9"/>
+                    </a:solidFill>
+                  </a:tcPr>
+                </a:tc>
+                <a:tc>
+                  <a:txBody>
+                    <a:bodyPr tIns="18288" bIns="18288" lIns="45720" rIns="45720"/>
+                    <a:lstStyle/>
+                    <a:p>
+                      <a:pPr>
+                        <a:defRPr sz="700">
+                          <a:latin typeface="Arial Narrow"/>
+                        </a:defRPr>
+                      </a:pPr>
+                    </a:p>
+                  </a:txBody>
+                  <a:tcPr>
+                    <a:solidFill>
+                      <a:srgbClr val="FFD4B9"/>
                     </a:solidFill>
                   </a:tcPr>
                 </a:tc>
@@ -5791,7 +6723,7 @@
                   </a:txBody>
                   <a:tcPr>
                     <a:solidFill>
-                      <a:srgbClr val="F2F2F2"/>
+                      <a:srgbClr val="FFD4B9"/>
                     </a:solidFill>
                   </a:tcPr>
                 </a:tc>
@@ -5812,49 +6744,67 @@
                   </a:txBody>
                   <a:tcPr>
                     <a:solidFill>
-                      <a:srgbClr val="F2F2F2"/>
-                    </a:solidFill>
-                  </a:tcPr>
-                </a:tc>
-                <a:tc>
-                  <a:txBody>
-                    <a:bodyPr tIns="18288" bIns="18288" lIns="45720" rIns="45720"/>
-                    <a:lstStyle/>
-                    <a:p>
-                      <a:pPr>
-                        <a:defRPr sz="700">
-                          <a:latin typeface="Arial Narrow"/>
-                        </a:defRPr>
-                      </a:pPr>
-                      <a:r>
-                        <a:t>34.66714078, -1.87560077</a:t>
-                      </a:r>
-                    </a:p>
-                  </a:txBody>
-                  <a:tcPr>
-                    <a:solidFill>
-                      <a:srgbClr val="F2F2F2"/>
-                    </a:solidFill>
-                  </a:tcPr>
-                </a:tc>
-                <a:tc>
-                  <a:txBody>
-                    <a:bodyPr tIns="18288" bIns="18288" lIns="45720" rIns="45720"/>
-                    <a:lstStyle/>
-                    <a:p>
-                      <a:pPr>
-                        <a:defRPr sz="700">
-                          <a:latin typeface="Arial Narrow"/>
-                        </a:defRPr>
-                      </a:pPr>
-                      <a:r>
-                        <a:t>34.66530637, -1.89022996</a:t>
-                      </a:r>
-                    </a:p>
-                  </a:txBody>
-                  <a:tcPr>
-                    <a:solidFill>
-                      <a:srgbClr val="F2F2F2"/>
+                      <a:srgbClr val="FFD4B9"/>
+                    </a:solidFill>
+                  </a:tcPr>
+                </a:tc>
+                <a:tc>
+                  <a:txBody>
+                    <a:bodyPr tIns="18288" bIns="18288" lIns="45720" rIns="45720"/>
+                    <a:lstStyle/>
+                    <a:p>
+                      <a:pPr>
+                        <a:defRPr sz="700">
+                          <a:latin typeface="Arial Narrow"/>
+                        </a:defRPr>
+                      </a:pPr>
+                    </a:p>
+                  </a:txBody>
+                  <a:tcPr>
+                    <a:solidFill>
+                      <a:srgbClr val="FFD4B9"/>
+                    </a:solidFill>
+                  </a:tcPr>
+                </a:tc>
+                <a:tc>
+                  <a:txBody>
+                    <a:bodyPr tIns="18288" bIns="18288" lIns="45720" rIns="45720"/>
+                    <a:lstStyle/>
+                    <a:p>
+                      <a:pPr>
+                        <a:defRPr sz="700">
+                          <a:latin typeface="Arial Narrow"/>
+                        </a:defRPr>
+                      </a:pPr>
+                      <a:r>
+                        <a:t>34.66714, -1.87560</a:t>
+                      </a:r>
+                    </a:p>
+                  </a:txBody>
+                  <a:tcPr>
+                    <a:solidFill>
+                      <a:srgbClr val="FFD4B9"/>
+                    </a:solidFill>
+                  </a:tcPr>
+                </a:tc>
+                <a:tc>
+                  <a:txBody>
+                    <a:bodyPr tIns="18288" bIns="18288" lIns="45720" rIns="45720"/>
+                    <a:lstStyle/>
+                    <a:p>
+                      <a:pPr>
+                        <a:defRPr sz="700">
+                          <a:latin typeface="Arial Narrow"/>
+                        </a:defRPr>
+                      </a:pPr>
+                      <a:r>
+                        <a:t>34.66531, -1.89023</a:t>
+                      </a:r>
+                    </a:p>
+                  </a:txBody>
+                  <a:tcPr>
+                    <a:solidFill>
+                      <a:srgbClr val="FFD4B9"/>
                     </a:solidFill>
                   </a:tcPr>
                 </a:tc>
@@ -5875,7 +6825,11 @@
                       </a:r>
                     </a:p>
                   </a:txBody>
-                  <a:tcPr/>
+                  <a:tcPr>
+                    <a:solidFill>
+                      <a:srgbClr val="FFFFFF"/>
+                    </a:solidFill>
+                  </a:tcPr>
                 </a:tc>
                 <a:tc>
                   <a:txBody>
@@ -5892,7 +6846,11 @@
                       </a:r>
                     </a:p>
                   </a:txBody>
-                  <a:tcPr/>
+                  <a:tcPr>
+                    <a:solidFill>
+                      <a:srgbClr val="FFFFFF"/>
+                    </a:solidFill>
+                  </a:tcPr>
                 </a:tc>
                 <a:tc>
                   <a:txBody>
@@ -5909,7 +6867,29 @@
                       </a:r>
                     </a:p>
                   </a:txBody>
-                  <a:tcPr/>
+                  <a:tcPr>
+                    <a:solidFill>
+                      <a:srgbClr val="FFFFFF"/>
+                    </a:solidFill>
+                  </a:tcPr>
+                </a:tc>
+                <a:tc>
+                  <a:txBody>
+                    <a:bodyPr tIns="18288" bIns="18288" lIns="45720" rIns="45720"/>
+                    <a:lstStyle/>
+                    <a:p>
+                      <a:pPr>
+                        <a:defRPr sz="700">
+                          <a:latin typeface="Arial Narrow"/>
+                        </a:defRPr>
+                      </a:pPr>
+                    </a:p>
+                  </a:txBody>
+                  <a:tcPr>
+                    <a:solidFill>
+                      <a:srgbClr val="FFFFFF"/>
+                    </a:solidFill>
+                  </a:tcPr>
                 </a:tc>
                 <a:tc>
                   <a:txBody>
@@ -5926,7 +6906,11 @@
                       </a:r>
                     </a:p>
                   </a:txBody>
-                  <a:tcPr/>
+                  <a:tcPr>
+                    <a:solidFill>
+                      <a:srgbClr val="FFFFFF"/>
+                    </a:solidFill>
+                  </a:tcPr>
                 </a:tc>
                 <a:tc>
                   <a:txBody>
@@ -5943,41 +6927,71 @@
                       </a:r>
                     </a:p>
                   </a:txBody>
-                  <a:tcPr/>
-                </a:tc>
-                <a:tc>
-                  <a:txBody>
-                    <a:bodyPr tIns="18288" bIns="18288" lIns="45720" rIns="45720"/>
-                    <a:lstStyle/>
-                    <a:p>
-                      <a:pPr>
-                        <a:defRPr sz="700">
-                          <a:latin typeface="Arial Narrow"/>
-                        </a:defRPr>
-                      </a:pPr>
-                      <a:r>
-                        <a:t>34.66825000, -1.88697200</a:t>
-                      </a:r>
-                    </a:p>
-                  </a:txBody>
-                  <a:tcPr/>
-                </a:tc>
-                <a:tc>
-                  <a:txBody>
-                    <a:bodyPr tIns="18288" bIns="18288" lIns="45720" rIns="45720"/>
-                    <a:lstStyle/>
-                    <a:p>
-                      <a:pPr>
-                        <a:defRPr sz="700">
-                          <a:latin typeface="Arial Narrow"/>
-                        </a:defRPr>
-                      </a:pPr>
-                      <a:r>
-                        <a:t>34.66530637, -1.89022996</a:t>
-                      </a:r>
-                    </a:p>
-                  </a:txBody>
-                  <a:tcPr/>
+                  <a:tcPr>
+                    <a:solidFill>
+                      <a:srgbClr val="FFFFFF"/>
+                    </a:solidFill>
+                  </a:tcPr>
+                </a:tc>
+                <a:tc>
+                  <a:txBody>
+                    <a:bodyPr tIns="18288" bIns="18288" lIns="45720" rIns="45720"/>
+                    <a:lstStyle/>
+                    <a:p>
+                      <a:pPr>
+                        <a:defRPr sz="700">
+                          <a:latin typeface="Arial Narrow"/>
+                        </a:defRPr>
+                      </a:pPr>
+                    </a:p>
+                  </a:txBody>
+                  <a:tcPr>
+                    <a:solidFill>
+                      <a:srgbClr val="FFFFFF"/>
+                    </a:solidFill>
+                  </a:tcPr>
+                </a:tc>
+                <a:tc>
+                  <a:txBody>
+                    <a:bodyPr tIns="18288" bIns="18288" lIns="45720" rIns="45720"/>
+                    <a:lstStyle/>
+                    <a:p>
+                      <a:pPr>
+                        <a:defRPr sz="700">
+                          <a:latin typeface="Arial Narrow"/>
+                        </a:defRPr>
+                      </a:pPr>
+                      <a:r>
+                        <a:t>34.66825, -1.88697</a:t>
+                      </a:r>
+                    </a:p>
+                  </a:txBody>
+                  <a:tcPr>
+                    <a:solidFill>
+                      <a:srgbClr val="FFFFFF"/>
+                    </a:solidFill>
+                  </a:tcPr>
+                </a:tc>
+                <a:tc>
+                  <a:txBody>
+                    <a:bodyPr tIns="18288" bIns="18288" lIns="45720" rIns="45720"/>
+                    <a:lstStyle/>
+                    <a:p>
+                      <a:pPr>
+                        <a:defRPr sz="700">
+                          <a:latin typeface="Arial Narrow"/>
+                        </a:defRPr>
+                      </a:pPr>
+                      <a:r>
+                        <a:t>34.66531, -1.89023</a:t>
+                      </a:r>
+                    </a:p>
+                  </a:txBody>
+                  <a:tcPr>
+                    <a:solidFill>
+                      <a:srgbClr val="FFFFFF"/>
+                    </a:solidFill>
+                  </a:tcPr>
                 </a:tc>
               </a:tr>
             </a:tbl>

--- a/media/generated_ppts/DR IAM_OUJDA AVANZIT (partiel).pptx
+++ b/media/generated_ppts/DR IAM_OUJDA AVANZIT (partiel).pptx
@@ -3232,9 +3232,45 @@
           </a:prstGeom>
         </p:spPr>
       </p:pic>
+      <p:sp>
+        <p:nvSpPr>
+          <p:cNvPr id="3" name="TextBox 2"/>
+          <p:cNvSpPr txBox="1"/>
+          <p:nvPr/>
+        </p:nvSpPr>
+        <p:spPr>
+          <a:xfrm>
+            <a:off x="1692000" y="2512800"/>
+            <a:ext cx="8640000" cy="432000"/>
+          </a:xfrm>
+          <a:prstGeom prst="rect">
+            <a:avLst/>
+          </a:prstGeom>
+          <a:noFill/>
+        </p:spPr>
+        <p:txBody>
+          <a:bodyPr wrap="none">
+            <a:spAutoFit/>
+          </a:bodyPr>
+          <a:lstStyle/>
+          <a:p>
+            <a:pPr>
+              <a:defRPr sz="900" b="0">
+                <a:solidFill>
+                  <a:srgbClr val="000000"/>
+                </a:solidFill>
+                <a:latin typeface="Arial Narrow"/>
+              </a:defRPr>
+            </a:pPr>
+            <a:r>
+              <a:t>01/12/1111         04/05/3233                                           "azertyuiopmlkjhgfdswxcvbnazertyuiopmlkjhgfdsq"</a:t>
+            </a:r>
+          </a:p>
+        </p:txBody>
+      </p:sp>
       <p:graphicFrame>
         <p:nvGraphicFramePr>
-          <p:cNvPr id="3" name="Table 2"/>
+          <p:cNvPr id="4" name="Table 3"/>
           <p:cNvGraphicFramePr>
             <a:graphicFrameLocks noGrp="1"/>
           </p:cNvGraphicFramePr>

--- a/media/generated_ppts/DR IAM_OUJDA AVANZIT (partiel).pptx
+++ b/media/generated_ppts/DR IAM_OUJDA AVANZIT (partiel).pptx
@@ -3232,45 +3232,9 @@
           </a:prstGeom>
         </p:spPr>
       </p:pic>
-      <p:sp>
-        <p:nvSpPr>
-          <p:cNvPr id="3" name="TextBox 2"/>
-          <p:cNvSpPr txBox="1"/>
-          <p:nvPr/>
-        </p:nvSpPr>
-        <p:spPr>
-          <a:xfrm>
-            <a:off x="1692000" y="2512800"/>
-            <a:ext cx="8640000" cy="432000"/>
-          </a:xfrm>
-          <a:prstGeom prst="rect">
-            <a:avLst/>
-          </a:prstGeom>
-          <a:noFill/>
-        </p:spPr>
-        <p:txBody>
-          <a:bodyPr wrap="none">
-            <a:spAutoFit/>
-          </a:bodyPr>
-          <a:lstStyle/>
-          <a:p>
-            <a:pPr>
-              <a:defRPr sz="900" b="0">
-                <a:solidFill>
-                  <a:srgbClr val="000000"/>
-                </a:solidFill>
-                <a:latin typeface="Arial Narrow"/>
-              </a:defRPr>
-            </a:pPr>
-            <a:r>
-              <a:t>01/12/1111         04/05/3233                                           "azertyuiopmlkjhgfdswxcvbnazertyuiopmlkjhgfdsq"</a:t>
-            </a:r>
-          </a:p>
-        </p:txBody>
-      </p:sp>
       <p:graphicFrame>
         <p:nvGraphicFramePr>
-          <p:cNvPr id="4" name="Table 3"/>
+          <p:cNvPr id="3" name="Table 2"/>
           <p:cNvGraphicFramePr>
             <a:graphicFrameLocks noGrp="1"/>
           </p:cNvGraphicFramePr>
